--- a/presentazione/Pagliari Lorenzo - presentazione_v2.pptx
+++ b/presentazione/Pagliari Lorenzo - presentazione_v2.pptx
@@ -7,10 +7,10 @@
     <p:sldMasterId id="2147483681" r:id="rId3"/>
   </p:sldMasterIdLst>
   <p:notesMasterIdLst>
-    <p:notesMasterId r:id="rId30"/>
+    <p:notesMasterId r:id="rId29"/>
   </p:notesMasterIdLst>
   <p:handoutMasterIdLst>
-    <p:handoutMasterId r:id="rId31"/>
+    <p:handoutMasterId r:id="rId30"/>
   </p:handoutMasterIdLst>
   <p:sldIdLst>
     <p:sldId id="256" r:id="rId4"/>
@@ -32,13 +32,12 @@
     <p:sldId id="282" r:id="rId20"/>
     <p:sldId id="266" r:id="rId21"/>
     <p:sldId id="277" r:id="rId22"/>
-    <p:sldId id="278" r:id="rId23"/>
-    <p:sldId id="279" r:id="rId24"/>
-    <p:sldId id="283" r:id="rId25"/>
-    <p:sldId id="284" r:id="rId26"/>
-    <p:sldId id="267" r:id="rId27"/>
-    <p:sldId id="285" r:id="rId28"/>
-    <p:sldId id="258" r:id="rId29"/>
+    <p:sldId id="279" r:id="rId23"/>
+    <p:sldId id="283" r:id="rId24"/>
+    <p:sldId id="284" r:id="rId25"/>
+    <p:sldId id="267" r:id="rId26"/>
+    <p:sldId id="285" r:id="rId27"/>
+    <p:sldId id="258" r:id="rId28"/>
   </p:sldIdLst>
   <p:sldSz cx="9144000" cy="6858000" type="screen4x3"/>
   <p:notesSz cx="9906000" cy="6794500"/>
@@ -253,7 +252,7 @@
             <a:fld id="{3012F1C6-8193-4D58-BB28-44CF9C7F83D5}" type="datetimeFigureOut">
               <a:rPr lang="it-IT" smtClean="0"/>
               <a:pPr/>
-              <a:t>16/09/2015</a:t>
+              <a:t>20/09/2015</a:t>
             </a:fld>
             <a:endParaRPr lang="it-IT" dirty="0"/>
           </a:p>
@@ -415,7 +414,7 @@
             <a:fld id="{0A055084-1CB9-CF40-93F3-663EB9ADEB9C}" type="datetimeFigureOut">
               <a:rPr lang="it-IT" smtClean="0"/>
               <a:pPr/>
-              <a:t>16/09/2015</a:t>
+              <a:t>20/09/2015</a:t>
             </a:fld>
             <a:endParaRPr lang="it-IT" dirty="0"/>
           </a:p>
@@ -4335,23 +4334,7 @@
                   <a:schemeClr val="tx1"/>
                 </a:solidFill>
               </a:rPr>
-              <a:t>Prof. </a:t>
-            </a:r>
-            <a:r>
-              <a:rPr lang="it-IT" dirty="0" smtClean="0">
-                <a:solidFill>
-                  <a:schemeClr val="tx1"/>
-                </a:solidFill>
-              </a:rPr>
-              <a:t>Raffaela</a:t>
-            </a:r>
-            <a:r>
-              <a:rPr lang="it-IT" dirty="0" smtClean="0">
-                <a:solidFill>
-                  <a:schemeClr val="tx1"/>
-                </a:solidFill>
-              </a:rPr>
-              <a:t> Mirandola</a:t>
+              <a:t>Prof. Raffaela Mirandola</a:t>
             </a:r>
           </a:p>
           <a:p>
@@ -4372,15 +4355,7 @@
                   <a:schemeClr val="tx1"/>
                 </a:solidFill>
               </a:rPr>
-              <a:t>Dott. Diego </a:t>
-            </a:r>
-            <a:r>
-              <a:rPr lang="it-IT" dirty="0" smtClean="0">
-                <a:solidFill>
-                  <a:schemeClr val="tx1"/>
-                </a:solidFill>
-              </a:rPr>
-              <a:t>Perez</a:t>
+              <a:t>Dott. Diego Perez</a:t>
             </a:r>
             <a:endParaRPr lang="it-IT" dirty="0" smtClean="0">
               <a:solidFill>
@@ -4616,11 +4591,7 @@
             </a:pPr>
             <a:r>
               <a:rPr lang="it-IT" sz="2400" dirty="0" smtClean="0"/>
-              <a:t>Basso </a:t>
-            </a:r>
-            <a:r>
-              <a:rPr lang="it-IT" sz="2400" dirty="0" smtClean="0"/>
-              <a:t>consumo energetico</a:t>
+              <a:t>Basso consumo energetico</a:t>
             </a:r>
           </a:p>
           <a:p>
@@ -5244,6 +5215,276 @@
       </p:grpSpPr>
       <p:sp>
         <p:nvSpPr>
+          <p:cNvPr id="3" name="Segnaposto testo 2"/>
+          <p:cNvSpPr>
+            <a:spLocks noGrp="1"/>
+          </p:cNvSpPr>
+          <p:nvPr>
+            <p:ph type="body" sz="quarter" idx="11"/>
+          </p:nvPr>
+        </p:nvSpPr>
+        <p:spPr/>
+        <p:txBody>
+          <a:bodyPr/>
+          <a:lstStyle/>
+          <a:p>
+            <a:r>
+              <a:rPr lang="it-IT" dirty="0" smtClean="0"/>
+              <a:t>Algoritmo di </a:t>
+            </a:r>
+            <a:r>
+              <a:rPr lang="it-IT" dirty="0" err="1" smtClean="0"/>
+              <a:t>Dynamic</a:t>
+            </a:r>
+            <a:r>
+              <a:rPr lang="it-IT" dirty="0" smtClean="0"/>
+              <a:t> </a:t>
+            </a:r>
+            <a:r>
+              <a:rPr lang="it-IT" dirty="0" err="1" smtClean="0"/>
+              <a:t>Fanout</a:t>
+            </a:r>
+            <a:endParaRPr lang="it-IT" dirty="0" smtClean="0"/>
+          </a:p>
+          <a:p>
+            <a:pPr>
+              <a:buFont typeface="Arial" pitchFamily="34" charset="0"/>
+              <a:buChar char="•"/>
+            </a:pPr>
+            <a:r>
+              <a:rPr lang="it-IT" sz="2400" dirty="0" smtClean="0"/>
+              <a:t>Si basa sulla tecnologia </a:t>
+            </a:r>
+            <a:r>
+              <a:rPr lang="it-IT" sz="2400" b="1" dirty="0" smtClean="0">
+                <a:solidFill>
+                  <a:srgbClr val="C00000"/>
+                </a:solidFill>
+              </a:rPr>
+              <a:t>Bluetooth Low Energy</a:t>
+            </a:r>
+            <a:endParaRPr lang="it-IT" sz="2400" dirty="0" smtClean="0"/>
+          </a:p>
+          <a:p>
+            <a:pPr>
+              <a:buFont typeface="Arial" pitchFamily="34" charset="0"/>
+              <a:buChar char="•"/>
+            </a:pPr>
+            <a:r>
+              <a:rPr lang="it-IT" sz="2400" dirty="0" smtClean="0"/>
+              <a:t>Estensione dell’algoritmo di gossip </a:t>
+            </a:r>
+            <a:r>
+              <a:rPr lang="it-IT" sz="2400" b="1" i="1" dirty="0" err="1" smtClean="0">
+                <a:solidFill>
+                  <a:srgbClr val="C00000"/>
+                </a:solidFill>
+              </a:rPr>
+              <a:t>fixed</a:t>
+            </a:r>
+            <a:r>
+              <a:rPr lang="it-IT" sz="2400" b="1" i="1" dirty="0" smtClean="0">
+                <a:solidFill>
+                  <a:srgbClr val="C00000"/>
+                </a:solidFill>
+              </a:rPr>
+              <a:t> </a:t>
+            </a:r>
+            <a:r>
+              <a:rPr lang="it-IT" sz="2400" b="1" i="1" dirty="0" err="1" smtClean="0">
+                <a:solidFill>
+                  <a:srgbClr val="C00000"/>
+                </a:solidFill>
+              </a:rPr>
+              <a:t>fanout</a:t>
+            </a:r>
+            <a:endParaRPr lang="it-IT" sz="2400" b="1" i="1" dirty="0" smtClean="0">
+              <a:solidFill>
+                <a:srgbClr val="C00000"/>
+              </a:solidFill>
+            </a:endParaRPr>
+          </a:p>
+          <a:p>
+            <a:pPr>
+              <a:buFont typeface="Arial" pitchFamily="34" charset="0"/>
+              <a:buChar char="•"/>
+            </a:pPr>
+            <a:r>
+              <a:rPr lang="it-IT" sz="2400" dirty="0" smtClean="0"/>
+              <a:t>Metodo di trasmissione </a:t>
+            </a:r>
+            <a:r>
+              <a:rPr lang="it-IT" sz="2400" b="1" i="1" dirty="0" err="1" smtClean="0">
+                <a:solidFill>
+                  <a:srgbClr val="C00000"/>
+                </a:solidFill>
+              </a:rPr>
+              <a:t>Push&amp;Pull</a:t>
+            </a:r>
+            <a:endParaRPr lang="it-IT" sz="2400" b="1" i="1" dirty="0" smtClean="0">
+              <a:solidFill>
+                <a:srgbClr val="C00000"/>
+              </a:solidFill>
+            </a:endParaRPr>
+          </a:p>
+          <a:p>
+            <a:pPr>
+              <a:buFont typeface="Arial" pitchFamily="34" charset="0"/>
+              <a:buChar char="•"/>
+            </a:pPr>
+            <a:r>
+              <a:rPr lang="it-IT" sz="2400" dirty="0" smtClean="0"/>
+              <a:t>Criteri di terminazione: mix</a:t>
+            </a:r>
+            <a:r>
+              <a:rPr lang="it-IT" sz="2400" b="1" i="1" dirty="0" smtClean="0">
+                <a:solidFill>
+                  <a:srgbClr val="C00000"/>
+                </a:solidFill>
+              </a:rPr>
+              <a:t> </a:t>
+            </a:r>
+            <a:r>
+              <a:rPr lang="it-IT" sz="2400" dirty="0" smtClean="0"/>
+              <a:t>tra</a:t>
+            </a:r>
+            <a:r>
+              <a:rPr lang="it-IT" sz="2400" b="1" i="1" dirty="0" smtClean="0">
+                <a:solidFill>
+                  <a:srgbClr val="C00000"/>
+                </a:solidFill>
+              </a:rPr>
+              <a:t> </a:t>
+            </a:r>
+            <a:r>
+              <a:rPr lang="it-IT" sz="2400" b="1" i="1" dirty="0" err="1" smtClean="0">
+                <a:solidFill>
+                  <a:srgbClr val="C00000"/>
+                </a:solidFill>
+              </a:rPr>
+              <a:t>counter</a:t>
+            </a:r>
+            <a:r>
+              <a:rPr lang="it-IT" sz="2400" b="1" i="1" dirty="0" smtClean="0">
+                <a:solidFill>
+                  <a:srgbClr val="C00000"/>
+                </a:solidFill>
+              </a:rPr>
+              <a:t> </a:t>
+            </a:r>
+            <a:r>
+              <a:rPr lang="it-IT" sz="2400" dirty="0" smtClean="0"/>
+              <a:t>e</a:t>
+            </a:r>
+            <a:r>
+              <a:rPr lang="it-IT" sz="2400" b="1" i="1" dirty="0" smtClean="0">
+                <a:solidFill>
+                  <a:srgbClr val="C00000"/>
+                </a:solidFill>
+              </a:rPr>
+              <a:t> </a:t>
+            </a:r>
+            <a:r>
+              <a:rPr lang="it-IT" sz="2400" b="1" i="1" dirty="0" err="1" smtClean="0">
+                <a:solidFill>
+                  <a:srgbClr val="C00000"/>
+                </a:solidFill>
+              </a:rPr>
+              <a:t>blind</a:t>
+            </a:r>
+            <a:endParaRPr lang="it-IT" sz="2400" b="1" i="1" dirty="0" smtClean="0">
+              <a:solidFill>
+                <a:srgbClr val="C00000"/>
+              </a:solidFill>
+            </a:endParaRPr>
+          </a:p>
+          <a:p>
+            <a:pPr>
+              <a:buFont typeface="Arial" pitchFamily="34" charset="0"/>
+              <a:buChar char="•"/>
+            </a:pPr>
+            <a:endParaRPr lang="it-IT" sz="2400" b="1" i="1" dirty="0" smtClean="0">
+              <a:solidFill>
+                <a:srgbClr val="C00000"/>
+              </a:solidFill>
+            </a:endParaRPr>
+          </a:p>
+          <a:p>
+            <a:r>
+              <a:rPr lang="it-IT" sz="2800" i="1" dirty="0" err="1" smtClean="0"/>
+              <a:t>Dynamyc</a:t>
+            </a:r>
+            <a:r>
+              <a:rPr lang="it-IT" sz="2800" i="1" dirty="0" smtClean="0"/>
+              <a:t> </a:t>
+            </a:r>
+            <a:r>
+              <a:rPr lang="it-IT" sz="2800" i="1" dirty="0" err="1" smtClean="0"/>
+              <a:t>Fanout</a:t>
+            </a:r>
+            <a:r>
+              <a:rPr lang="it-IT" sz="2800" i="1" dirty="0" smtClean="0"/>
+              <a:t>, Advertising </a:t>
+            </a:r>
+            <a:r>
+              <a:rPr lang="it-IT" sz="2800" i="1" dirty="0" err="1" smtClean="0"/>
+              <a:t>Limit</a:t>
+            </a:r>
+            <a:endParaRPr lang="it-IT" sz="2400" dirty="0" smtClean="0"/>
+          </a:p>
+          <a:p>
+            <a:pPr>
+              <a:buFont typeface="Arial" pitchFamily="34" charset="0"/>
+              <a:buChar char="•"/>
+            </a:pPr>
+            <a:r>
+              <a:rPr lang="it-IT" sz="2400" dirty="0" err="1" smtClean="0"/>
+              <a:t>DF=</a:t>
+            </a:r>
+            <a:r>
+              <a:rPr lang="it-IT" sz="2400" dirty="0" smtClean="0"/>
+              <a:t> limite trasmissioni, AL = limite </a:t>
+            </a:r>
+            <a:r>
+              <a:rPr lang="it-IT" sz="2400" dirty="0" err="1" smtClean="0"/>
+              <a:t>pubbicità</a:t>
+            </a:r>
+            <a:endParaRPr lang="it-IT" sz="2400" dirty="0" smtClean="0"/>
+          </a:p>
+          <a:p>
+            <a:pPr>
+              <a:buFont typeface="Arial" pitchFamily="34" charset="0"/>
+              <a:buChar char="•"/>
+            </a:pPr>
+            <a:r>
+              <a:rPr lang="it-IT" sz="2400" dirty="0" smtClean="0"/>
+              <a:t>Parametri dinamici</a:t>
+            </a:r>
+          </a:p>
+          <a:p>
+            <a:pPr>
+              <a:buFont typeface="Arial" pitchFamily="34" charset="0"/>
+              <a:buChar char="•"/>
+            </a:pPr>
+            <a:r>
+              <a:rPr lang="it-IT" sz="2400" dirty="0" smtClean="0"/>
+              <a:t>Adattamento ai cambiamenti esterni e interni</a:t>
+            </a:r>
+          </a:p>
+          <a:p>
+            <a:pPr>
+              <a:buFont typeface="Arial" pitchFamily="34" charset="0"/>
+              <a:buChar char="•"/>
+            </a:pPr>
+            <a:r>
+              <a:rPr lang="it-IT" sz="2400" dirty="0" smtClean="0"/>
+              <a:t>Compromesso tra risparmio energetico ed efficienza</a:t>
+            </a:r>
+          </a:p>
+        </p:txBody>
+      </p:sp>
+      <p:sp>
+        <p:nvSpPr>
           <p:cNvPr id="2" name="Segnaposto testo 1"/>
           <p:cNvSpPr>
             <a:spLocks noGrp="1"/>
@@ -5267,78 +5508,248 @@
       </p:sp>
       <p:sp>
         <p:nvSpPr>
-          <p:cNvPr id="3" name="Segnaposto testo 2"/>
-          <p:cNvSpPr>
-            <a:spLocks noGrp="1"/>
-          </p:cNvSpPr>
-          <p:nvPr>
-            <p:ph type="body" sz="quarter" idx="11"/>
-          </p:nvPr>
+          <p:cNvPr id="5" name="Fumetto 2 4"/>
+          <p:cNvSpPr/>
+          <p:nvPr/>
         </p:nvSpPr>
-        <p:spPr/>
+        <p:spPr>
+          <a:xfrm>
+            <a:off x="1246907" y="3962400"/>
+            <a:ext cx="7453745" cy="2387601"/>
+          </a:xfrm>
+          <a:prstGeom prst="wedgeRoundRectCallout">
+            <a:avLst>
+              <a:gd name="adj1" fmla="val -573"/>
+              <a:gd name="adj2" fmla="val -72504"/>
+              <a:gd name="adj3" fmla="val 16667"/>
+            </a:avLst>
+          </a:prstGeom>
+        </p:spPr>
+        <p:style>
+          <a:lnRef idx="2">
+            <a:schemeClr val="accent1"/>
+          </a:lnRef>
+          <a:fillRef idx="1">
+            <a:schemeClr val="lt1"/>
+          </a:fillRef>
+          <a:effectRef idx="0">
+            <a:schemeClr val="accent1"/>
+          </a:effectRef>
+          <a:fontRef idx="minor">
+            <a:schemeClr val="dk1"/>
+          </a:fontRef>
+        </p:style>
         <p:txBody>
-          <a:bodyPr/>
+          <a:bodyPr rtlCol="0" anchor="t" anchorCtr="0"/>
           <a:lstStyle/>
           <a:p>
-            <a:r>
-              <a:rPr lang="it-IT" dirty="0" smtClean="0"/>
-              <a:t>Algoritmo di </a:t>
-            </a:r>
-            <a:r>
-              <a:rPr lang="it-IT" dirty="0" err="1" smtClean="0"/>
-              <a:t>Dynamic</a:t>
-            </a:r>
-            <a:r>
-              <a:rPr lang="it-IT" dirty="0" smtClean="0"/>
-              <a:t> </a:t>
-            </a:r>
-            <a:r>
-              <a:rPr lang="it-IT" dirty="0" err="1" smtClean="0"/>
-              <a:t>Fanout</a:t>
-            </a:r>
-            <a:r>
-              <a:rPr lang="it-IT" dirty="0" smtClean="0"/>
-              <a:t>:</a:t>
-            </a:r>
-          </a:p>
-          <a:p>
-            <a:pPr>
-              <a:buFont typeface="Arial" pitchFamily="34" charset="0"/>
-              <a:buChar char="•"/>
+            <a:pPr marL="360363" indent="-360363">
+              <a:buFont typeface="Wingdings" pitchFamily="2" charset="2"/>
+              <a:buChar char="Ø"/>
             </a:pPr>
             <a:r>
-              <a:rPr lang="it-IT" sz="2400" dirty="0" smtClean="0"/>
-              <a:t>Si basa sulla tecnologia </a:t>
-            </a:r>
-            <a:r>
-              <a:rPr lang="it-IT" sz="2400" b="1" dirty="0" smtClean="0">
+              <a:rPr lang="it-IT" sz="2000" i="1" dirty="0" err="1" smtClean="0">
                 <a:solidFill>
                   <a:srgbClr val="C00000"/>
                 </a:solidFill>
               </a:rPr>
-              <a:t>BLE</a:t>
-            </a:r>
-            <a:endParaRPr lang="it-IT" sz="2400" dirty="0" smtClean="0"/>
-          </a:p>
-          <a:p>
-            <a:pPr>
-              <a:buFont typeface="Arial" pitchFamily="34" charset="0"/>
-              <a:buChar char="•"/>
+              <a:t>Blind</a:t>
+            </a:r>
+            <a:r>
+              <a:rPr lang="it-IT" sz="2000" dirty="0" smtClean="0">
+                <a:solidFill>
+                  <a:schemeClr val="tx2"/>
+                </a:solidFill>
+              </a:rPr>
+              <a:t>: la decisione dipende solo dallo stato del dispositivo</a:t>
+            </a:r>
+          </a:p>
+          <a:p>
+            <a:pPr marL="360363" indent="-360363">
+              <a:buFont typeface="Wingdings" pitchFamily="2" charset="2"/>
+              <a:buChar char="Ø"/>
             </a:pPr>
             <a:r>
-              <a:rPr lang="it-IT" sz="2400" dirty="0" smtClean="0"/>
-              <a:t>Estensione dell’algoritmo di gossip </a:t>
-            </a:r>
-            <a:r>
-              <a:rPr lang="it-IT" sz="2400" b="1" i="1" dirty="0" err="1" smtClean="0">
+              <a:rPr lang="it-IT" sz="2000" i="1" dirty="0" err="1" smtClean="0">
                 <a:solidFill>
                   <a:srgbClr val="C00000"/>
                 </a:solidFill>
               </a:rPr>
-              <a:t>fixed</a:t>
-            </a:r>
-            <a:r>
-              <a:rPr lang="it-IT" sz="2400" b="1" i="1" dirty="0" smtClean="0">
+              <a:t>Counter</a:t>
+            </a:r>
+            <a:r>
+              <a:rPr lang="it-IT" sz="2000" dirty="0" smtClean="0">
+                <a:solidFill>
+                  <a:schemeClr val="tx2"/>
+                </a:solidFill>
+              </a:rPr>
+              <a:t>: termina quando il contatore raggiunge una certa soglia</a:t>
+            </a:r>
+          </a:p>
+          <a:p>
+            <a:pPr marL="360363" indent="-360363">
+              <a:buFont typeface="Wingdings" pitchFamily="2" charset="2"/>
+              <a:buChar char="Ø"/>
+            </a:pPr>
+            <a:r>
+              <a:rPr lang="it-IT" sz="2000" i="1" dirty="0" smtClean="0">
+                <a:solidFill>
+                  <a:srgbClr val="C00000"/>
+                </a:solidFill>
+              </a:rPr>
+              <a:t>Feedback</a:t>
+            </a:r>
+            <a:r>
+              <a:rPr lang="it-IT" sz="2000" dirty="0" smtClean="0">
+                <a:solidFill>
+                  <a:schemeClr val="tx2"/>
+                </a:solidFill>
+              </a:rPr>
+              <a:t>: in base alla risposta del dispositivo contattato, viene presa una decisione</a:t>
+            </a:r>
+          </a:p>
+          <a:p>
+            <a:pPr marL="360363" indent="-360363">
+              <a:buFont typeface="Wingdings" pitchFamily="2" charset="2"/>
+              <a:buChar char="Ø"/>
+            </a:pPr>
+            <a:r>
+              <a:rPr lang="it-IT" sz="2000" i="1" dirty="0" smtClean="0">
+                <a:solidFill>
+                  <a:srgbClr val="C00000"/>
+                </a:solidFill>
+              </a:rPr>
+              <a:t>Coin</a:t>
+            </a:r>
+            <a:r>
+              <a:rPr lang="it-IT" sz="2000" dirty="0" smtClean="0">
+                <a:solidFill>
+                  <a:schemeClr val="tx2"/>
+                </a:solidFill>
+              </a:rPr>
+              <a:t>: si termina con una probabilità 1/k, dove k è il numero di dispositivi contattati</a:t>
+            </a:r>
+          </a:p>
+        </p:txBody>
+      </p:sp>
+      <p:sp>
+        <p:nvSpPr>
+          <p:cNvPr id="7" name="Fumetto 2 6"/>
+          <p:cNvSpPr/>
+          <p:nvPr/>
+        </p:nvSpPr>
+        <p:spPr>
+          <a:xfrm>
+            <a:off x="2686627" y="3297378"/>
+            <a:ext cx="5723082" cy="1939637"/>
+          </a:xfrm>
+          <a:prstGeom prst="wedgeRoundRectCallout">
+            <a:avLst>
+              <a:gd name="adj1" fmla="val 470"/>
+              <a:gd name="adj2" fmla="val -72327"/>
+              <a:gd name="adj3" fmla="val 16667"/>
+            </a:avLst>
+          </a:prstGeom>
+          <a:blipFill dpi="0" rotWithShape="1">
+            <a:blip r:embed="rId2" cstate="print">
+              <a:lum/>
+            </a:blip>
+            <a:srcRect/>
+            <a:stretch>
+              <a:fillRect l="3000" t="26000" r="3000" b="5000"/>
+            </a:stretch>
+          </a:blipFill>
+        </p:spPr>
+        <p:style>
+          <a:lnRef idx="2">
+            <a:schemeClr val="accent1"/>
+          </a:lnRef>
+          <a:fillRef idx="1">
+            <a:schemeClr val="lt1"/>
+          </a:fillRef>
+          <a:effectRef idx="0">
+            <a:schemeClr val="accent1"/>
+          </a:effectRef>
+          <a:fontRef idx="minor">
+            <a:schemeClr val="dk1"/>
+          </a:fontRef>
+        </p:style>
+        <p:txBody>
+          <a:bodyPr rtlCol="0" anchor="ctr"/>
+          <a:lstStyle/>
+          <a:p>
+            <a:pPr algn="ctr"/>
+            <a:endParaRPr lang="it-IT"/>
+          </a:p>
+        </p:txBody>
+      </p:sp>
+      <p:sp>
+        <p:nvSpPr>
+          <p:cNvPr id="4" name="Fumetto 2 3"/>
+          <p:cNvSpPr/>
+          <p:nvPr/>
+        </p:nvSpPr>
+        <p:spPr>
+          <a:xfrm>
+            <a:off x="1607125" y="2937161"/>
+            <a:ext cx="7453745" cy="1496291"/>
+          </a:xfrm>
+          <a:prstGeom prst="wedgeRoundRectCallout">
+            <a:avLst>
+              <a:gd name="adj1" fmla="val 9279"/>
+              <a:gd name="adj2" fmla="val -77296"/>
+              <a:gd name="adj3" fmla="val 16667"/>
+            </a:avLst>
+          </a:prstGeom>
+        </p:spPr>
+        <p:style>
+          <a:lnRef idx="2">
+            <a:schemeClr val="accent1"/>
+          </a:lnRef>
+          <a:fillRef idx="1">
+            <a:schemeClr val="lt1"/>
+          </a:fillRef>
+          <a:effectRef idx="0">
+            <a:schemeClr val="accent1"/>
+          </a:effectRef>
+          <a:fontRef idx="minor">
+            <a:schemeClr val="dk1"/>
+          </a:fontRef>
+        </p:style>
+        <p:txBody>
+          <a:bodyPr rtlCol="0" anchor="t" anchorCtr="0"/>
+          <a:lstStyle/>
+          <a:p>
+            <a:pPr marL="360363" indent="-360363">
+              <a:buFont typeface="Wingdings" pitchFamily="2" charset="2"/>
+              <a:buChar char="§"/>
+            </a:pPr>
+            <a:r>
+              <a:rPr lang="it-IT" sz="2000" dirty="0" smtClean="0">
+                <a:solidFill>
+                  <a:schemeClr val="tx2"/>
+                </a:solidFill>
+              </a:rPr>
+              <a:t>Algoritmo di tipo </a:t>
+            </a:r>
+            <a:r>
+              <a:rPr lang="it-IT" sz="2000" i="1" dirty="0" smtClean="0">
+                <a:solidFill>
+                  <a:srgbClr val="C00000"/>
+                </a:solidFill>
+              </a:rPr>
+              <a:t>Rumor </a:t>
+            </a:r>
+            <a:r>
+              <a:rPr lang="it-IT" sz="2000" i="1" dirty="0" err="1" smtClean="0">
+                <a:solidFill>
+                  <a:srgbClr val="C00000"/>
+                </a:solidFill>
+              </a:rPr>
+              <a:t>Mongering</a:t>
+            </a:r>
+            <a:r>
+              <a:rPr lang="it-IT" sz="2000" i="1" dirty="0" smtClean="0">
                 <a:solidFill>
                   <a:srgbClr val="C00000"/>
                 </a:solidFill>
@@ -5346,198 +5757,96 @@
               <a:t> </a:t>
             </a:r>
             <a:r>
-              <a:rPr lang="it-IT" sz="2400" b="1" i="1" dirty="0" err="1" smtClean="0">
+              <a:rPr lang="it-IT" sz="2000" dirty="0" smtClean="0">
+                <a:solidFill>
+                  <a:schemeClr val="tx2"/>
+                </a:solidFill>
+              </a:rPr>
+              <a:t>(diffusione del rumore)</a:t>
+            </a:r>
+          </a:p>
+          <a:p>
+            <a:pPr marL="360363" indent="-360363">
+              <a:buFont typeface="Wingdings" pitchFamily="2" charset="2"/>
+              <a:buChar char="§"/>
+            </a:pPr>
+            <a:r>
+              <a:rPr lang="it-IT" sz="2000" dirty="0" smtClean="0">
+                <a:solidFill>
+                  <a:schemeClr val="tx2"/>
+                </a:solidFill>
+              </a:rPr>
+              <a:t>Esegue un numero prefissato di trasmissioni: </a:t>
+            </a:r>
+            <a:r>
+              <a:rPr lang="it-IT" sz="2000" i="1" dirty="0" err="1" smtClean="0">
                 <a:solidFill>
                   <a:srgbClr val="C00000"/>
                 </a:solidFill>
               </a:rPr>
               <a:t>fanout</a:t>
             </a:r>
-            <a:endParaRPr lang="it-IT" sz="2400" b="1" i="1" dirty="0" smtClean="0">
+            <a:endParaRPr lang="it-IT" sz="2000" i="1" dirty="0" smtClean="0">
               <a:solidFill>
                 <a:srgbClr val="C00000"/>
               </a:solidFill>
             </a:endParaRPr>
           </a:p>
           <a:p>
-            <a:pPr>
-              <a:buFont typeface="Arial" pitchFamily="34" charset="0"/>
-              <a:buChar char="•"/>
+            <a:pPr marL="360363" indent="-360363">
+              <a:buFont typeface="Wingdings" pitchFamily="2" charset="2"/>
+              <a:buChar char="§"/>
             </a:pPr>
             <a:r>
-              <a:rPr lang="it-IT" sz="2400" dirty="0" smtClean="0"/>
-              <a:t>Metodo di trasmissione </a:t>
-            </a:r>
-            <a:r>
-              <a:rPr lang="it-IT" sz="2400" b="1" i="1" dirty="0" err="1" smtClean="0">
+              <a:rPr lang="it-IT" sz="2000" dirty="0" smtClean="0">
                 <a:solidFill>
-                  <a:srgbClr val="C00000"/>
+                  <a:schemeClr val="tx2"/>
                 </a:solidFill>
               </a:rPr>
-              <a:t>Push&amp;Pull</a:t>
-            </a:r>
-            <a:endParaRPr lang="it-IT" sz="2400" b="1" i="1" dirty="0" smtClean="0">
-              <a:solidFill>
-                <a:srgbClr val="C00000"/>
-              </a:solidFill>
-            </a:endParaRPr>
-          </a:p>
-          <a:p>
-            <a:pPr>
-              <a:buFont typeface="Arial" pitchFamily="34" charset="0"/>
-              <a:buChar char="•"/>
-            </a:pPr>
-            <a:r>
-              <a:rPr lang="it-IT" sz="2400" dirty="0" smtClean="0"/>
-              <a:t>Criteri di terminazione: </a:t>
-            </a:r>
-            <a:r>
-              <a:rPr lang="it-IT" sz="2400" b="1" i="1" dirty="0" smtClean="0">
-                <a:solidFill>
-                  <a:srgbClr val="C00000"/>
-                </a:solidFill>
-              </a:rPr>
-              <a:t>mix </a:t>
-            </a:r>
-            <a:r>
-              <a:rPr lang="it-IT" sz="2400" dirty="0" smtClean="0"/>
-              <a:t>tra</a:t>
-            </a:r>
-            <a:r>
-              <a:rPr lang="it-IT" sz="2400" b="1" i="1" dirty="0" smtClean="0">
-                <a:solidFill>
-                  <a:srgbClr val="C00000"/>
-                </a:solidFill>
-              </a:rPr>
-              <a:t> </a:t>
-            </a:r>
-            <a:r>
-              <a:rPr lang="it-IT" sz="2400" b="1" i="1" dirty="0" err="1" smtClean="0">
+              <a:t>Criterio di terminazione di tipo </a:t>
+            </a:r>
+            <a:r>
+              <a:rPr lang="it-IT" sz="2000" i="1" dirty="0" err="1" smtClean="0">
                 <a:solidFill>
                   <a:srgbClr val="C00000"/>
                 </a:solidFill>
               </a:rPr>
               <a:t>counter</a:t>
             </a:r>
-            <a:r>
-              <a:rPr lang="it-IT" sz="2400" b="1" i="1" dirty="0" smtClean="0">
+            <a:endParaRPr lang="it-IT" sz="2000" i="1" dirty="0" smtClean="0">
+              <a:solidFill>
+                <a:srgbClr val="C00000"/>
+              </a:solidFill>
+            </a:endParaRPr>
+          </a:p>
+          <a:p>
+            <a:pPr marL="360363" indent="-360363">
+              <a:buFont typeface="Wingdings" pitchFamily="2" charset="2"/>
+              <a:buChar char="§"/>
+            </a:pPr>
+            <a:r>
+              <a:rPr lang="it-IT" sz="2000" dirty="0" smtClean="0">
+                <a:solidFill>
+                  <a:schemeClr val="tx2"/>
+                </a:solidFill>
+              </a:rPr>
+              <a:t>Algoritmo </a:t>
+            </a:r>
+            <a:r>
+              <a:rPr lang="it-IT" sz="2000" i="1" dirty="0" smtClean="0">
                 <a:solidFill>
                   <a:srgbClr val="C00000"/>
                 </a:solidFill>
               </a:rPr>
-              <a:t> </a:t>
-            </a:r>
-            <a:r>
-              <a:rPr lang="it-IT" sz="2400" dirty="0" smtClean="0"/>
-              <a:t>e</a:t>
-            </a:r>
-            <a:r>
-              <a:rPr lang="it-IT" sz="2400" b="1" i="1" dirty="0" smtClean="0">
+              <a:t>statico</a:t>
+            </a:r>
+            <a:r>
+              <a:rPr lang="it-IT" sz="2000" dirty="0" smtClean="0">
                 <a:solidFill>
-                  <a:srgbClr val="C00000"/>
+                  <a:schemeClr val="tx2"/>
                 </a:solidFill>
               </a:rPr>
-              <a:t> </a:t>
-            </a:r>
-            <a:r>
-              <a:rPr lang="it-IT" sz="2400" b="1" i="1" dirty="0" err="1" smtClean="0">
-                <a:solidFill>
-                  <a:srgbClr val="C00000"/>
-                </a:solidFill>
-              </a:rPr>
-              <a:t>blind</a:t>
-            </a:r>
-            <a:endParaRPr lang="it-IT" sz="2400" b="1" i="1" dirty="0" smtClean="0">
-              <a:solidFill>
-                <a:srgbClr val="C00000"/>
-              </a:solidFill>
-            </a:endParaRPr>
-          </a:p>
-          <a:p>
-            <a:pPr>
-              <a:buFont typeface="Arial" pitchFamily="34" charset="0"/>
-              <a:buChar char="•"/>
-            </a:pPr>
-            <a:endParaRPr lang="it-IT" sz="2400" b="1" i="1" dirty="0" smtClean="0">
-              <a:solidFill>
-                <a:srgbClr val="C00000"/>
-              </a:solidFill>
-            </a:endParaRPr>
-          </a:p>
-          <a:p>
-            <a:r>
-              <a:rPr lang="it-IT" sz="2800" i="1" dirty="0" err="1" smtClean="0"/>
-              <a:t>Dynamyc</a:t>
-            </a:r>
-            <a:r>
-              <a:rPr lang="it-IT" sz="2800" i="1" dirty="0" smtClean="0"/>
-              <a:t> </a:t>
-            </a:r>
-            <a:r>
-              <a:rPr lang="it-IT" sz="2800" i="1" dirty="0" err="1" smtClean="0"/>
-              <a:t>Fanout</a:t>
-            </a:r>
-            <a:r>
-              <a:rPr lang="it-IT" sz="2800" i="1" dirty="0" smtClean="0"/>
-              <a:t>, Advertising </a:t>
-            </a:r>
-            <a:r>
-              <a:rPr lang="it-IT" sz="2800" i="1" dirty="0" err="1" smtClean="0"/>
-              <a:t>Limit</a:t>
-            </a:r>
-            <a:r>
-              <a:rPr lang="it-IT" sz="2800" i="1" dirty="0" smtClean="0"/>
-              <a:t>:</a:t>
-            </a:r>
-            <a:endParaRPr lang="it-IT" sz="2400" dirty="0" smtClean="0"/>
-          </a:p>
-          <a:p>
-            <a:pPr>
-              <a:buFont typeface="Arial" pitchFamily="34" charset="0"/>
-              <a:buChar char="•"/>
-            </a:pPr>
-            <a:r>
-              <a:rPr lang="it-IT" sz="2400" dirty="0" err="1" smtClean="0"/>
-              <a:t>DF=</a:t>
-            </a:r>
-            <a:r>
-              <a:rPr lang="it-IT" sz="2400" dirty="0" smtClean="0"/>
-              <a:t> limite trasmissioni, AL = limite </a:t>
-            </a:r>
-            <a:r>
-              <a:rPr lang="it-IT" sz="2400" dirty="0" err="1" smtClean="0"/>
-              <a:t>pubbicità</a:t>
-            </a:r>
-            <a:endParaRPr lang="it-IT" sz="2400" dirty="0" smtClean="0"/>
-          </a:p>
-          <a:p>
-            <a:pPr>
-              <a:buFont typeface="Arial" pitchFamily="34" charset="0"/>
-              <a:buChar char="•"/>
-            </a:pPr>
-            <a:r>
-              <a:rPr lang="it-IT" sz="2400" dirty="0" smtClean="0"/>
-              <a:t>Parametri dinamici</a:t>
-            </a:r>
-          </a:p>
-          <a:p>
-            <a:pPr>
-              <a:buFont typeface="Arial" pitchFamily="34" charset="0"/>
-              <a:buChar char="•"/>
-            </a:pPr>
-            <a:r>
-              <a:rPr lang="it-IT" sz="2400" dirty="0" smtClean="0"/>
-              <a:t>Adattamento ai cambiamenti esterni e interni</a:t>
-            </a:r>
-          </a:p>
-          <a:p>
-            <a:pPr>
-              <a:buFont typeface="Arial" pitchFamily="34" charset="0"/>
-              <a:buChar char="•"/>
-            </a:pPr>
-            <a:r>
-              <a:rPr lang="it-IT" sz="2400" dirty="0" smtClean="0"/>
-              <a:t>Compromesso tra risparmio energetico ed efficienza</a:t>
+              <a:t>, non si adatta ai cambiamenti esterni/interni</a:t>
             </a:r>
           </a:p>
         </p:txBody>
@@ -5550,9 +5859,1409 @@
   <p:timing>
     <p:tnLst>
       <p:par>
-        <p:cTn id="1" dur="indefinite" restart="never" nodeType="tmRoot"/>
+        <p:cTn id="1" dur="indefinite" restart="never" nodeType="tmRoot">
+          <p:childTnLst>
+            <p:seq concurrent="1" nextAc="seek">
+              <p:cTn id="2" dur="indefinite" nodeType="mainSeq">
+                <p:childTnLst>
+                  <p:par>
+                    <p:cTn id="3" fill="hold">
+                      <p:stCondLst>
+                        <p:cond delay="indefinite"/>
+                        <p:cond evt="onBegin" delay="0">
+                          <p:tn val="2"/>
+                        </p:cond>
+                      </p:stCondLst>
+                      <p:childTnLst>
+                        <p:par>
+                          <p:cTn id="4" fill="hold">
+                            <p:stCondLst>
+                              <p:cond delay="0"/>
+                            </p:stCondLst>
+                            <p:childTnLst>
+                              <p:par>
+                                <p:cTn id="5" presetID="12" presetClass="entr" presetSubtype="1" fill="hold" nodeType="afterEffect">
+                                  <p:stCondLst>
+                                    <p:cond delay="0"/>
+                                  </p:stCondLst>
+                                  <p:childTnLst>
+                                    <p:set>
+                                      <p:cBhvr>
+                                        <p:cTn id="6" dur="1" fill="hold">
+                                          <p:stCondLst>
+                                            <p:cond delay="0"/>
+                                          </p:stCondLst>
+                                        </p:cTn>
+                                        <p:tgtEl>
+                                          <p:spTgt spid="3">
+                                            <p:txEl>
+                                              <p:pRg st="0" end="0"/>
+                                            </p:txEl>
+                                          </p:spTgt>
+                                        </p:tgtEl>
+                                        <p:attrNameLst>
+                                          <p:attrName>style.visibility</p:attrName>
+                                        </p:attrNameLst>
+                                      </p:cBhvr>
+                                      <p:to>
+                                        <p:strVal val="visible"/>
+                                      </p:to>
+                                    </p:set>
+                                    <p:animEffect transition="in" filter="slide(fromTop)">
+                                      <p:cBhvr>
+                                        <p:cTn id="7" dur="500"/>
+                                        <p:tgtEl>
+                                          <p:spTgt spid="3">
+                                            <p:txEl>
+                                              <p:pRg st="0" end="0"/>
+                                            </p:txEl>
+                                          </p:spTgt>
+                                        </p:tgtEl>
+                                      </p:cBhvr>
+                                    </p:animEffect>
+                                  </p:childTnLst>
+                                </p:cTn>
+                              </p:par>
+                            </p:childTnLst>
+                          </p:cTn>
+                        </p:par>
+                        <p:par>
+                          <p:cTn id="8" fill="hold">
+                            <p:stCondLst>
+                              <p:cond delay="500"/>
+                            </p:stCondLst>
+                            <p:childTnLst>
+                              <p:par>
+                                <p:cTn id="9" presetID="2" presetClass="entr" presetSubtype="2" fill="hold" nodeType="afterEffect">
+                                  <p:stCondLst>
+                                    <p:cond delay="0"/>
+                                  </p:stCondLst>
+                                  <p:childTnLst>
+                                    <p:set>
+                                      <p:cBhvr>
+                                        <p:cTn id="10" dur="1" fill="hold">
+                                          <p:stCondLst>
+                                            <p:cond delay="0"/>
+                                          </p:stCondLst>
+                                        </p:cTn>
+                                        <p:tgtEl>
+                                          <p:spTgt spid="3">
+                                            <p:txEl>
+                                              <p:pRg st="1" end="1"/>
+                                            </p:txEl>
+                                          </p:spTgt>
+                                        </p:tgtEl>
+                                        <p:attrNameLst>
+                                          <p:attrName>style.visibility</p:attrName>
+                                        </p:attrNameLst>
+                                      </p:cBhvr>
+                                      <p:to>
+                                        <p:strVal val="visible"/>
+                                      </p:to>
+                                    </p:set>
+                                    <p:anim calcmode="lin" valueType="num">
+                                      <p:cBhvr additive="base">
+                                        <p:cTn id="11" dur="500" fill="hold"/>
+                                        <p:tgtEl>
+                                          <p:spTgt spid="3">
+                                            <p:txEl>
+                                              <p:pRg st="1" end="1"/>
+                                            </p:txEl>
+                                          </p:spTgt>
+                                        </p:tgtEl>
+                                        <p:attrNameLst>
+                                          <p:attrName>ppt_x</p:attrName>
+                                        </p:attrNameLst>
+                                      </p:cBhvr>
+                                      <p:tavLst>
+                                        <p:tav tm="0">
+                                          <p:val>
+                                            <p:strVal val="1+#ppt_w/2"/>
+                                          </p:val>
+                                        </p:tav>
+                                        <p:tav tm="100000">
+                                          <p:val>
+                                            <p:strVal val="#ppt_x"/>
+                                          </p:val>
+                                        </p:tav>
+                                      </p:tavLst>
+                                    </p:anim>
+                                    <p:anim calcmode="lin" valueType="num">
+                                      <p:cBhvr additive="base">
+                                        <p:cTn id="12" dur="500" fill="hold"/>
+                                        <p:tgtEl>
+                                          <p:spTgt spid="3">
+                                            <p:txEl>
+                                              <p:pRg st="1" end="1"/>
+                                            </p:txEl>
+                                          </p:spTgt>
+                                        </p:tgtEl>
+                                        <p:attrNameLst>
+                                          <p:attrName>ppt_y</p:attrName>
+                                        </p:attrNameLst>
+                                      </p:cBhvr>
+                                      <p:tavLst>
+                                        <p:tav tm="0">
+                                          <p:val>
+                                            <p:strVal val="#ppt_y"/>
+                                          </p:val>
+                                        </p:tav>
+                                        <p:tav tm="100000">
+                                          <p:val>
+                                            <p:strVal val="#ppt_y"/>
+                                          </p:val>
+                                        </p:tav>
+                                      </p:tavLst>
+                                    </p:anim>
+                                  </p:childTnLst>
+                                </p:cTn>
+                              </p:par>
+                            </p:childTnLst>
+                          </p:cTn>
+                        </p:par>
+                      </p:childTnLst>
+                    </p:cTn>
+                  </p:par>
+                  <p:par>
+                    <p:cTn id="13" fill="hold">
+                      <p:stCondLst>
+                        <p:cond delay="indefinite"/>
+                      </p:stCondLst>
+                      <p:childTnLst>
+                        <p:par>
+                          <p:cTn id="14" fill="hold">
+                            <p:stCondLst>
+                              <p:cond delay="0"/>
+                            </p:stCondLst>
+                            <p:childTnLst>
+                              <p:par>
+                                <p:cTn id="15" presetID="2" presetClass="entr" presetSubtype="2" fill="hold" nodeType="clickEffect">
+                                  <p:stCondLst>
+                                    <p:cond delay="0"/>
+                                  </p:stCondLst>
+                                  <p:childTnLst>
+                                    <p:set>
+                                      <p:cBhvr>
+                                        <p:cTn id="16" dur="1" fill="hold">
+                                          <p:stCondLst>
+                                            <p:cond delay="0"/>
+                                          </p:stCondLst>
+                                        </p:cTn>
+                                        <p:tgtEl>
+                                          <p:spTgt spid="3">
+                                            <p:txEl>
+                                              <p:pRg st="2" end="2"/>
+                                            </p:txEl>
+                                          </p:spTgt>
+                                        </p:tgtEl>
+                                        <p:attrNameLst>
+                                          <p:attrName>style.visibility</p:attrName>
+                                        </p:attrNameLst>
+                                      </p:cBhvr>
+                                      <p:to>
+                                        <p:strVal val="visible"/>
+                                      </p:to>
+                                    </p:set>
+                                    <p:anim calcmode="lin" valueType="num">
+                                      <p:cBhvr additive="base">
+                                        <p:cTn id="17" dur="500" fill="hold"/>
+                                        <p:tgtEl>
+                                          <p:spTgt spid="3">
+                                            <p:txEl>
+                                              <p:pRg st="2" end="2"/>
+                                            </p:txEl>
+                                          </p:spTgt>
+                                        </p:tgtEl>
+                                        <p:attrNameLst>
+                                          <p:attrName>ppt_x</p:attrName>
+                                        </p:attrNameLst>
+                                      </p:cBhvr>
+                                      <p:tavLst>
+                                        <p:tav tm="0">
+                                          <p:val>
+                                            <p:strVal val="1+#ppt_w/2"/>
+                                          </p:val>
+                                        </p:tav>
+                                        <p:tav tm="100000">
+                                          <p:val>
+                                            <p:strVal val="#ppt_x"/>
+                                          </p:val>
+                                        </p:tav>
+                                      </p:tavLst>
+                                    </p:anim>
+                                    <p:anim calcmode="lin" valueType="num">
+                                      <p:cBhvr additive="base">
+                                        <p:cTn id="18" dur="500" fill="hold"/>
+                                        <p:tgtEl>
+                                          <p:spTgt spid="3">
+                                            <p:txEl>
+                                              <p:pRg st="2" end="2"/>
+                                            </p:txEl>
+                                          </p:spTgt>
+                                        </p:tgtEl>
+                                        <p:attrNameLst>
+                                          <p:attrName>ppt_y</p:attrName>
+                                        </p:attrNameLst>
+                                      </p:cBhvr>
+                                      <p:tavLst>
+                                        <p:tav tm="0">
+                                          <p:val>
+                                            <p:strVal val="#ppt_y"/>
+                                          </p:val>
+                                        </p:tav>
+                                        <p:tav tm="100000">
+                                          <p:val>
+                                            <p:strVal val="#ppt_y"/>
+                                          </p:val>
+                                        </p:tav>
+                                      </p:tavLst>
+                                    </p:anim>
+                                  </p:childTnLst>
+                                </p:cTn>
+                              </p:par>
+                            </p:childTnLst>
+                          </p:cTn>
+                        </p:par>
+                        <p:par>
+                          <p:cTn id="19" fill="hold">
+                            <p:stCondLst>
+                              <p:cond delay="500"/>
+                            </p:stCondLst>
+                            <p:childTnLst>
+                              <p:par>
+                                <p:cTn id="20" presetID="2" presetClass="entr" presetSubtype="4" fill="hold" grpId="0" nodeType="afterEffect">
+                                  <p:stCondLst>
+                                    <p:cond delay="0"/>
+                                  </p:stCondLst>
+                                  <p:childTnLst>
+                                    <p:set>
+                                      <p:cBhvr>
+                                        <p:cTn id="21" dur="1" fill="hold">
+                                          <p:stCondLst>
+                                            <p:cond delay="0"/>
+                                          </p:stCondLst>
+                                        </p:cTn>
+                                        <p:tgtEl>
+                                          <p:spTgt spid="4"/>
+                                        </p:tgtEl>
+                                        <p:attrNameLst>
+                                          <p:attrName>style.visibility</p:attrName>
+                                        </p:attrNameLst>
+                                      </p:cBhvr>
+                                      <p:to>
+                                        <p:strVal val="visible"/>
+                                      </p:to>
+                                    </p:set>
+                                    <p:anim calcmode="lin" valueType="num">
+                                      <p:cBhvr additive="base">
+                                        <p:cTn id="22" dur="500" fill="hold"/>
+                                        <p:tgtEl>
+                                          <p:spTgt spid="4"/>
+                                        </p:tgtEl>
+                                        <p:attrNameLst>
+                                          <p:attrName>ppt_x</p:attrName>
+                                        </p:attrNameLst>
+                                      </p:cBhvr>
+                                      <p:tavLst>
+                                        <p:tav tm="0">
+                                          <p:val>
+                                            <p:strVal val="#ppt_x"/>
+                                          </p:val>
+                                        </p:tav>
+                                        <p:tav tm="100000">
+                                          <p:val>
+                                            <p:strVal val="#ppt_x"/>
+                                          </p:val>
+                                        </p:tav>
+                                      </p:tavLst>
+                                    </p:anim>
+                                    <p:anim calcmode="lin" valueType="num">
+                                      <p:cBhvr additive="base">
+                                        <p:cTn id="23" dur="500" fill="hold"/>
+                                        <p:tgtEl>
+                                          <p:spTgt spid="4"/>
+                                        </p:tgtEl>
+                                        <p:attrNameLst>
+                                          <p:attrName>ppt_y</p:attrName>
+                                        </p:attrNameLst>
+                                      </p:cBhvr>
+                                      <p:tavLst>
+                                        <p:tav tm="0">
+                                          <p:val>
+                                            <p:strVal val="1+#ppt_h/2"/>
+                                          </p:val>
+                                        </p:tav>
+                                        <p:tav tm="100000">
+                                          <p:val>
+                                            <p:strVal val="#ppt_y"/>
+                                          </p:val>
+                                        </p:tav>
+                                      </p:tavLst>
+                                    </p:anim>
+                                  </p:childTnLst>
+                                </p:cTn>
+                              </p:par>
+                            </p:childTnLst>
+                          </p:cTn>
+                        </p:par>
+                      </p:childTnLst>
+                    </p:cTn>
+                  </p:par>
+                  <p:par>
+                    <p:cTn id="24" fill="hold">
+                      <p:stCondLst>
+                        <p:cond delay="indefinite"/>
+                      </p:stCondLst>
+                      <p:childTnLst>
+                        <p:par>
+                          <p:cTn id="25" fill="hold">
+                            <p:stCondLst>
+                              <p:cond delay="0"/>
+                            </p:stCondLst>
+                            <p:childTnLst>
+                              <p:par>
+                                <p:cTn id="26" presetID="2" presetClass="exit" presetSubtype="4" fill="hold" grpId="1" nodeType="clickEffect">
+                                  <p:stCondLst>
+                                    <p:cond delay="0"/>
+                                  </p:stCondLst>
+                                  <p:childTnLst>
+                                    <p:anim calcmode="lin" valueType="num">
+                                      <p:cBhvr additive="base">
+                                        <p:cTn id="27" dur="500"/>
+                                        <p:tgtEl>
+                                          <p:spTgt spid="4"/>
+                                        </p:tgtEl>
+                                        <p:attrNameLst>
+                                          <p:attrName>ppt_x</p:attrName>
+                                        </p:attrNameLst>
+                                      </p:cBhvr>
+                                      <p:tavLst>
+                                        <p:tav tm="0">
+                                          <p:val>
+                                            <p:strVal val="ppt_x"/>
+                                          </p:val>
+                                        </p:tav>
+                                        <p:tav tm="100000">
+                                          <p:val>
+                                            <p:strVal val="ppt_x"/>
+                                          </p:val>
+                                        </p:tav>
+                                      </p:tavLst>
+                                    </p:anim>
+                                    <p:anim calcmode="lin" valueType="num">
+                                      <p:cBhvr additive="base">
+                                        <p:cTn id="28" dur="500"/>
+                                        <p:tgtEl>
+                                          <p:spTgt spid="4"/>
+                                        </p:tgtEl>
+                                        <p:attrNameLst>
+                                          <p:attrName>ppt_y</p:attrName>
+                                        </p:attrNameLst>
+                                      </p:cBhvr>
+                                      <p:tavLst>
+                                        <p:tav tm="0">
+                                          <p:val>
+                                            <p:strVal val="ppt_y"/>
+                                          </p:val>
+                                        </p:tav>
+                                        <p:tav tm="100000">
+                                          <p:val>
+                                            <p:strVal val="1+ppt_h/2"/>
+                                          </p:val>
+                                        </p:tav>
+                                      </p:tavLst>
+                                    </p:anim>
+                                    <p:set>
+                                      <p:cBhvr>
+                                        <p:cTn id="29" dur="1" fill="hold">
+                                          <p:stCondLst>
+                                            <p:cond delay="499"/>
+                                          </p:stCondLst>
+                                        </p:cTn>
+                                        <p:tgtEl>
+                                          <p:spTgt spid="4"/>
+                                        </p:tgtEl>
+                                        <p:attrNameLst>
+                                          <p:attrName>style.visibility</p:attrName>
+                                        </p:attrNameLst>
+                                      </p:cBhvr>
+                                      <p:to>
+                                        <p:strVal val="hidden"/>
+                                      </p:to>
+                                    </p:set>
+                                  </p:childTnLst>
+                                </p:cTn>
+                              </p:par>
+                            </p:childTnLst>
+                          </p:cTn>
+                        </p:par>
+                        <p:par>
+                          <p:cTn id="30" fill="hold">
+                            <p:stCondLst>
+                              <p:cond delay="500"/>
+                            </p:stCondLst>
+                            <p:childTnLst>
+                              <p:par>
+                                <p:cTn id="31" presetID="2" presetClass="entr" presetSubtype="2" fill="hold" nodeType="afterEffect">
+                                  <p:stCondLst>
+                                    <p:cond delay="0"/>
+                                  </p:stCondLst>
+                                  <p:childTnLst>
+                                    <p:set>
+                                      <p:cBhvr>
+                                        <p:cTn id="32" dur="1" fill="hold">
+                                          <p:stCondLst>
+                                            <p:cond delay="0"/>
+                                          </p:stCondLst>
+                                        </p:cTn>
+                                        <p:tgtEl>
+                                          <p:spTgt spid="3">
+                                            <p:txEl>
+                                              <p:pRg st="3" end="3"/>
+                                            </p:txEl>
+                                          </p:spTgt>
+                                        </p:tgtEl>
+                                        <p:attrNameLst>
+                                          <p:attrName>style.visibility</p:attrName>
+                                        </p:attrNameLst>
+                                      </p:cBhvr>
+                                      <p:to>
+                                        <p:strVal val="visible"/>
+                                      </p:to>
+                                    </p:set>
+                                    <p:anim calcmode="lin" valueType="num">
+                                      <p:cBhvr additive="base">
+                                        <p:cTn id="33" dur="500" fill="hold"/>
+                                        <p:tgtEl>
+                                          <p:spTgt spid="3">
+                                            <p:txEl>
+                                              <p:pRg st="3" end="3"/>
+                                            </p:txEl>
+                                          </p:spTgt>
+                                        </p:tgtEl>
+                                        <p:attrNameLst>
+                                          <p:attrName>ppt_x</p:attrName>
+                                        </p:attrNameLst>
+                                      </p:cBhvr>
+                                      <p:tavLst>
+                                        <p:tav tm="0">
+                                          <p:val>
+                                            <p:strVal val="1+#ppt_w/2"/>
+                                          </p:val>
+                                        </p:tav>
+                                        <p:tav tm="100000">
+                                          <p:val>
+                                            <p:strVal val="#ppt_x"/>
+                                          </p:val>
+                                        </p:tav>
+                                      </p:tavLst>
+                                    </p:anim>
+                                    <p:anim calcmode="lin" valueType="num">
+                                      <p:cBhvr additive="base">
+                                        <p:cTn id="34" dur="500" fill="hold"/>
+                                        <p:tgtEl>
+                                          <p:spTgt spid="3">
+                                            <p:txEl>
+                                              <p:pRg st="3" end="3"/>
+                                            </p:txEl>
+                                          </p:spTgt>
+                                        </p:tgtEl>
+                                        <p:attrNameLst>
+                                          <p:attrName>ppt_y</p:attrName>
+                                        </p:attrNameLst>
+                                      </p:cBhvr>
+                                      <p:tavLst>
+                                        <p:tav tm="0">
+                                          <p:val>
+                                            <p:strVal val="#ppt_y"/>
+                                          </p:val>
+                                        </p:tav>
+                                        <p:tav tm="100000">
+                                          <p:val>
+                                            <p:strVal val="#ppt_y"/>
+                                          </p:val>
+                                        </p:tav>
+                                      </p:tavLst>
+                                    </p:anim>
+                                  </p:childTnLst>
+                                </p:cTn>
+                              </p:par>
+                            </p:childTnLst>
+                          </p:cTn>
+                        </p:par>
+                        <p:par>
+                          <p:cTn id="35" fill="hold">
+                            <p:stCondLst>
+                              <p:cond delay="1000"/>
+                            </p:stCondLst>
+                            <p:childTnLst>
+                              <p:par>
+                                <p:cTn id="36" presetID="2" presetClass="entr" presetSubtype="4" fill="hold" grpId="0" nodeType="afterEffect">
+                                  <p:stCondLst>
+                                    <p:cond delay="0"/>
+                                  </p:stCondLst>
+                                  <p:childTnLst>
+                                    <p:set>
+                                      <p:cBhvr>
+                                        <p:cTn id="37" dur="1" fill="hold">
+                                          <p:stCondLst>
+                                            <p:cond delay="0"/>
+                                          </p:stCondLst>
+                                        </p:cTn>
+                                        <p:tgtEl>
+                                          <p:spTgt spid="7"/>
+                                        </p:tgtEl>
+                                        <p:attrNameLst>
+                                          <p:attrName>style.visibility</p:attrName>
+                                        </p:attrNameLst>
+                                      </p:cBhvr>
+                                      <p:to>
+                                        <p:strVal val="visible"/>
+                                      </p:to>
+                                    </p:set>
+                                    <p:anim calcmode="lin" valueType="num">
+                                      <p:cBhvr additive="base">
+                                        <p:cTn id="38" dur="500" fill="hold"/>
+                                        <p:tgtEl>
+                                          <p:spTgt spid="7"/>
+                                        </p:tgtEl>
+                                        <p:attrNameLst>
+                                          <p:attrName>ppt_x</p:attrName>
+                                        </p:attrNameLst>
+                                      </p:cBhvr>
+                                      <p:tavLst>
+                                        <p:tav tm="0">
+                                          <p:val>
+                                            <p:strVal val="#ppt_x"/>
+                                          </p:val>
+                                        </p:tav>
+                                        <p:tav tm="100000">
+                                          <p:val>
+                                            <p:strVal val="#ppt_x"/>
+                                          </p:val>
+                                        </p:tav>
+                                      </p:tavLst>
+                                    </p:anim>
+                                    <p:anim calcmode="lin" valueType="num">
+                                      <p:cBhvr additive="base">
+                                        <p:cTn id="39" dur="500" fill="hold"/>
+                                        <p:tgtEl>
+                                          <p:spTgt spid="7"/>
+                                        </p:tgtEl>
+                                        <p:attrNameLst>
+                                          <p:attrName>ppt_y</p:attrName>
+                                        </p:attrNameLst>
+                                      </p:cBhvr>
+                                      <p:tavLst>
+                                        <p:tav tm="0">
+                                          <p:val>
+                                            <p:strVal val="1+#ppt_h/2"/>
+                                          </p:val>
+                                        </p:tav>
+                                        <p:tav tm="100000">
+                                          <p:val>
+                                            <p:strVal val="#ppt_y"/>
+                                          </p:val>
+                                        </p:tav>
+                                      </p:tavLst>
+                                    </p:anim>
+                                  </p:childTnLst>
+                                </p:cTn>
+                              </p:par>
+                            </p:childTnLst>
+                          </p:cTn>
+                        </p:par>
+                      </p:childTnLst>
+                    </p:cTn>
+                  </p:par>
+                  <p:par>
+                    <p:cTn id="40" fill="hold">
+                      <p:stCondLst>
+                        <p:cond delay="indefinite"/>
+                      </p:stCondLst>
+                      <p:childTnLst>
+                        <p:par>
+                          <p:cTn id="41" fill="hold">
+                            <p:stCondLst>
+                              <p:cond delay="0"/>
+                            </p:stCondLst>
+                            <p:childTnLst>
+                              <p:par>
+                                <p:cTn id="42" presetID="2" presetClass="exit" presetSubtype="4" fill="hold" grpId="1" nodeType="clickEffect">
+                                  <p:stCondLst>
+                                    <p:cond delay="0"/>
+                                  </p:stCondLst>
+                                  <p:childTnLst>
+                                    <p:anim calcmode="lin" valueType="num">
+                                      <p:cBhvr additive="base">
+                                        <p:cTn id="43" dur="500"/>
+                                        <p:tgtEl>
+                                          <p:spTgt spid="7"/>
+                                        </p:tgtEl>
+                                        <p:attrNameLst>
+                                          <p:attrName>ppt_x</p:attrName>
+                                        </p:attrNameLst>
+                                      </p:cBhvr>
+                                      <p:tavLst>
+                                        <p:tav tm="0">
+                                          <p:val>
+                                            <p:strVal val="ppt_x"/>
+                                          </p:val>
+                                        </p:tav>
+                                        <p:tav tm="100000">
+                                          <p:val>
+                                            <p:strVal val="ppt_x"/>
+                                          </p:val>
+                                        </p:tav>
+                                      </p:tavLst>
+                                    </p:anim>
+                                    <p:anim calcmode="lin" valueType="num">
+                                      <p:cBhvr additive="base">
+                                        <p:cTn id="44" dur="500"/>
+                                        <p:tgtEl>
+                                          <p:spTgt spid="7"/>
+                                        </p:tgtEl>
+                                        <p:attrNameLst>
+                                          <p:attrName>ppt_y</p:attrName>
+                                        </p:attrNameLst>
+                                      </p:cBhvr>
+                                      <p:tavLst>
+                                        <p:tav tm="0">
+                                          <p:val>
+                                            <p:strVal val="ppt_y"/>
+                                          </p:val>
+                                        </p:tav>
+                                        <p:tav tm="100000">
+                                          <p:val>
+                                            <p:strVal val="1+ppt_h/2"/>
+                                          </p:val>
+                                        </p:tav>
+                                      </p:tavLst>
+                                    </p:anim>
+                                    <p:set>
+                                      <p:cBhvr>
+                                        <p:cTn id="45" dur="1" fill="hold">
+                                          <p:stCondLst>
+                                            <p:cond delay="499"/>
+                                          </p:stCondLst>
+                                        </p:cTn>
+                                        <p:tgtEl>
+                                          <p:spTgt spid="7"/>
+                                        </p:tgtEl>
+                                        <p:attrNameLst>
+                                          <p:attrName>style.visibility</p:attrName>
+                                        </p:attrNameLst>
+                                      </p:cBhvr>
+                                      <p:to>
+                                        <p:strVal val="hidden"/>
+                                      </p:to>
+                                    </p:set>
+                                  </p:childTnLst>
+                                </p:cTn>
+                              </p:par>
+                            </p:childTnLst>
+                          </p:cTn>
+                        </p:par>
+                        <p:par>
+                          <p:cTn id="46" fill="hold">
+                            <p:stCondLst>
+                              <p:cond delay="500"/>
+                            </p:stCondLst>
+                            <p:childTnLst>
+                              <p:par>
+                                <p:cTn id="47" presetID="2" presetClass="entr" presetSubtype="2" fill="hold" nodeType="afterEffect">
+                                  <p:stCondLst>
+                                    <p:cond delay="0"/>
+                                  </p:stCondLst>
+                                  <p:childTnLst>
+                                    <p:set>
+                                      <p:cBhvr>
+                                        <p:cTn id="48" dur="1" fill="hold">
+                                          <p:stCondLst>
+                                            <p:cond delay="0"/>
+                                          </p:stCondLst>
+                                        </p:cTn>
+                                        <p:tgtEl>
+                                          <p:spTgt spid="3">
+                                            <p:txEl>
+                                              <p:pRg st="4" end="4"/>
+                                            </p:txEl>
+                                          </p:spTgt>
+                                        </p:tgtEl>
+                                        <p:attrNameLst>
+                                          <p:attrName>style.visibility</p:attrName>
+                                        </p:attrNameLst>
+                                      </p:cBhvr>
+                                      <p:to>
+                                        <p:strVal val="visible"/>
+                                      </p:to>
+                                    </p:set>
+                                    <p:anim calcmode="lin" valueType="num">
+                                      <p:cBhvr additive="base">
+                                        <p:cTn id="49" dur="500" fill="hold"/>
+                                        <p:tgtEl>
+                                          <p:spTgt spid="3">
+                                            <p:txEl>
+                                              <p:pRg st="4" end="4"/>
+                                            </p:txEl>
+                                          </p:spTgt>
+                                        </p:tgtEl>
+                                        <p:attrNameLst>
+                                          <p:attrName>ppt_x</p:attrName>
+                                        </p:attrNameLst>
+                                      </p:cBhvr>
+                                      <p:tavLst>
+                                        <p:tav tm="0">
+                                          <p:val>
+                                            <p:strVal val="1+#ppt_w/2"/>
+                                          </p:val>
+                                        </p:tav>
+                                        <p:tav tm="100000">
+                                          <p:val>
+                                            <p:strVal val="#ppt_x"/>
+                                          </p:val>
+                                        </p:tav>
+                                      </p:tavLst>
+                                    </p:anim>
+                                    <p:anim calcmode="lin" valueType="num">
+                                      <p:cBhvr additive="base">
+                                        <p:cTn id="50" dur="500" fill="hold"/>
+                                        <p:tgtEl>
+                                          <p:spTgt spid="3">
+                                            <p:txEl>
+                                              <p:pRg st="4" end="4"/>
+                                            </p:txEl>
+                                          </p:spTgt>
+                                        </p:tgtEl>
+                                        <p:attrNameLst>
+                                          <p:attrName>ppt_y</p:attrName>
+                                        </p:attrNameLst>
+                                      </p:cBhvr>
+                                      <p:tavLst>
+                                        <p:tav tm="0">
+                                          <p:val>
+                                            <p:strVal val="#ppt_y"/>
+                                          </p:val>
+                                        </p:tav>
+                                        <p:tav tm="100000">
+                                          <p:val>
+                                            <p:strVal val="#ppt_y"/>
+                                          </p:val>
+                                        </p:tav>
+                                      </p:tavLst>
+                                    </p:anim>
+                                  </p:childTnLst>
+                                </p:cTn>
+                              </p:par>
+                            </p:childTnLst>
+                          </p:cTn>
+                        </p:par>
+                        <p:par>
+                          <p:cTn id="51" fill="hold">
+                            <p:stCondLst>
+                              <p:cond delay="1000"/>
+                            </p:stCondLst>
+                            <p:childTnLst>
+                              <p:par>
+                                <p:cTn id="52" presetID="2" presetClass="entr" presetSubtype="4" fill="hold" grpId="0" nodeType="afterEffect">
+                                  <p:stCondLst>
+                                    <p:cond delay="0"/>
+                                  </p:stCondLst>
+                                  <p:childTnLst>
+                                    <p:set>
+                                      <p:cBhvr>
+                                        <p:cTn id="53" dur="1" fill="hold">
+                                          <p:stCondLst>
+                                            <p:cond delay="0"/>
+                                          </p:stCondLst>
+                                        </p:cTn>
+                                        <p:tgtEl>
+                                          <p:spTgt spid="5"/>
+                                        </p:tgtEl>
+                                        <p:attrNameLst>
+                                          <p:attrName>style.visibility</p:attrName>
+                                        </p:attrNameLst>
+                                      </p:cBhvr>
+                                      <p:to>
+                                        <p:strVal val="visible"/>
+                                      </p:to>
+                                    </p:set>
+                                    <p:anim calcmode="lin" valueType="num">
+                                      <p:cBhvr additive="base">
+                                        <p:cTn id="54" dur="500" fill="hold"/>
+                                        <p:tgtEl>
+                                          <p:spTgt spid="5"/>
+                                        </p:tgtEl>
+                                        <p:attrNameLst>
+                                          <p:attrName>ppt_x</p:attrName>
+                                        </p:attrNameLst>
+                                      </p:cBhvr>
+                                      <p:tavLst>
+                                        <p:tav tm="0">
+                                          <p:val>
+                                            <p:strVal val="#ppt_x"/>
+                                          </p:val>
+                                        </p:tav>
+                                        <p:tav tm="100000">
+                                          <p:val>
+                                            <p:strVal val="#ppt_x"/>
+                                          </p:val>
+                                        </p:tav>
+                                      </p:tavLst>
+                                    </p:anim>
+                                    <p:anim calcmode="lin" valueType="num">
+                                      <p:cBhvr additive="base">
+                                        <p:cTn id="55" dur="500" fill="hold"/>
+                                        <p:tgtEl>
+                                          <p:spTgt spid="5"/>
+                                        </p:tgtEl>
+                                        <p:attrNameLst>
+                                          <p:attrName>ppt_y</p:attrName>
+                                        </p:attrNameLst>
+                                      </p:cBhvr>
+                                      <p:tavLst>
+                                        <p:tav tm="0">
+                                          <p:val>
+                                            <p:strVal val="1+#ppt_h/2"/>
+                                          </p:val>
+                                        </p:tav>
+                                        <p:tav tm="100000">
+                                          <p:val>
+                                            <p:strVal val="#ppt_y"/>
+                                          </p:val>
+                                        </p:tav>
+                                      </p:tavLst>
+                                    </p:anim>
+                                  </p:childTnLst>
+                                </p:cTn>
+                              </p:par>
+                            </p:childTnLst>
+                          </p:cTn>
+                        </p:par>
+                      </p:childTnLst>
+                    </p:cTn>
+                  </p:par>
+                  <p:par>
+                    <p:cTn id="56" fill="hold">
+                      <p:stCondLst>
+                        <p:cond delay="indefinite"/>
+                      </p:stCondLst>
+                      <p:childTnLst>
+                        <p:par>
+                          <p:cTn id="57" fill="hold">
+                            <p:stCondLst>
+                              <p:cond delay="0"/>
+                            </p:stCondLst>
+                            <p:childTnLst>
+                              <p:par>
+                                <p:cTn id="58" presetID="2" presetClass="exit" presetSubtype="4" fill="hold" grpId="1" nodeType="clickEffect">
+                                  <p:stCondLst>
+                                    <p:cond delay="0"/>
+                                  </p:stCondLst>
+                                  <p:childTnLst>
+                                    <p:anim calcmode="lin" valueType="num">
+                                      <p:cBhvr additive="base">
+                                        <p:cTn id="59" dur="500"/>
+                                        <p:tgtEl>
+                                          <p:spTgt spid="5"/>
+                                        </p:tgtEl>
+                                        <p:attrNameLst>
+                                          <p:attrName>ppt_x</p:attrName>
+                                        </p:attrNameLst>
+                                      </p:cBhvr>
+                                      <p:tavLst>
+                                        <p:tav tm="0">
+                                          <p:val>
+                                            <p:strVal val="ppt_x"/>
+                                          </p:val>
+                                        </p:tav>
+                                        <p:tav tm="100000">
+                                          <p:val>
+                                            <p:strVal val="ppt_x"/>
+                                          </p:val>
+                                        </p:tav>
+                                      </p:tavLst>
+                                    </p:anim>
+                                    <p:anim calcmode="lin" valueType="num">
+                                      <p:cBhvr additive="base">
+                                        <p:cTn id="60" dur="500"/>
+                                        <p:tgtEl>
+                                          <p:spTgt spid="5"/>
+                                        </p:tgtEl>
+                                        <p:attrNameLst>
+                                          <p:attrName>ppt_y</p:attrName>
+                                        </p:attrNameLst>
+                                      </p:cBhvr>
+                                      <p:tavLst>
+                                        <p:tav tm="0">
+                                          <p:val>
+                                            <p:strVal val="ppt_y"/>
+                                          </p:val>
+                                        </p:tav>
+                                        <p:tav tm="100000">
+                                          <p:val>
+                                            <p:strVal val="1+ppt_h/2"/>
+                                          </p:val>
+                                        </p:tav>
+                                      </p:tavLst>
+                                    </p:anim>
+                                    <p:set>
+                                      <p:cBhvr>
+                                        <p:cTn id="61" dur="1" fill="hold">
+                                          <p:stCondLst>
+                                            <p:cond delay="499"/>
+                                          </p:stCondLst>
+                                        </p:cTn>
+                                        <p:tgtEl>
+                                          <p:spTgt spid="5"/>
+                                        </p:tgtEl>
+                                        <p:attrNameLst>
+                                          <p:attrName>style.visibility</p:attrName>
+                                        </p:attrNameLst>
+                                      </p:cBhvr>
+                                      <p:to>
+                                        <p:strVal val="hidden"/>
+                                      </p:to>
+                                    </p:set>
+                                  </p:childTnLst>
+                                </p:cTn>
+                              </p:par>
+                            </p:childTnLst>
+                          </p:cTn>
+                        </p:par>
+                        <p:par>
+                          <p:cTn id="62" fill="hold">
+                            <p:stCondLst>
+                              <p:cond delay="500"/>
+                            </p:stCondLst>
+                            <p:childTnLst>
+                              <p:par>
+                                <p:cTn id="63" presetID="12" presetClass="entr" presetSubtype="1" fill="hold" nodeType="afterEffect">
+                                  <p:stCondLst>
+                                    <p:cond delay="0"/>
+                                  </p:stCondLst>
+                                  <p:childTnLst>
+                                    <p:set>
+                                      <p:cBhvr>
+                                        <p:cTn id="64" dur="1" fill="hold">
+                                          <p:stCondLst>
+                                            <p:cond delay="0"/>
+                                          </p:stCondLst>
+                                        </p:cTn>
+                                        <p:tgtEl>
+                                          <p:spTgt spid="3">
+                                            <p:txEl>
+                                              <p:pRg st="6" end="6"/>
+                                            </p:txEl>
+                                          </p:spTgt>
+                                        </p:tgtEl>
+                                        <p:attrNameLst>
+                                          <p:attrName>style.visibility</p:attrName>
+                                        </p:attrNameLst>
+                                      </p:cBhvr>
+                                      <p:to>
+                                        <p:strVal val="visible"/>
+                                      </p:to>
+                                    </p:set>
+                                    <p:animEffect transition="in" filter="slide(fromTop)">
+                                      <p:cBhvr>
+                                        <p:cTn id="65" dur="500"/>
+                                        <p:tgtEl>
+                                          <p:spTgt spid="3">
+                                            <p:txEl>
+                                              <p:pRg st="6" end="6"/>
+                                            </p:txEl>
+                                          </p:spTgt>
+                                        </p:tgtEl>
+                                      </p:cBhvr>
+                                    </p:animEffect>
+                                  </p:childTnLst>
+                                </p:cTn>
+                              </p:par>
+                            </p:childTnLst>
+                          </p:cTn>
+                        </p:par>
+                        <p:par>
+                          <p:cTn id="66" fill="hold">
+                            <p:stCondLst>
+                              <p:cond delay="1000"/>
+                            </p:stCondLst>
+                            <p:childTnLst>
+                              <p:par>
+                                <p:cTn id="67" presetID="2" presetClass="entr" presetSubtype="2" fill="hold" nodeType="afterEffect">
+                                  <p:stCondLst>
+                                    <p:cond delay="0"/>
+                                  </p:stCondLst>
+                                  <p:childTnLst>
+                                    <p:set>
+                                      <p:cBhvr>
+                                        <p:cTn id="68" dur="1" fill="hold">
+                                          <p:stCondLst>
+                                            <p:cond delay="0"/>
+                                          </p:stCondLst>
+                                        </p:cTn>
+                                        <p:tgtEl>
+                                          <p:spTgt spid="3">
+                                            <p:txEl>
+                                              <p:pRg st="7" end="7"/>
+                                            </p:txEl>
+                                          </p:spTgt>
+                                        </p:tgtEl>
+                                        <p:attrNameLst>
+                                          <p:attrName>style.visibility</p:attrName>
+                                        </p:attrNameLst>
+                                      </p:cBhvr>
+                                      <p:to>
+                                        <p:strVal val="visible"/>
+                                      </p:to>
+                                    </p:set>
+                                    <p:anim calcmode="lin" valueType="num">
+                                      <p:cBhvr additive="base">
+                                        <p:cTn id="69" dur="500" fill="hold"/>
+                                        <p:tgtEl>
+                                          <p:spTgt spid="3">
+                                            <p:txEl>
+                                              <p:pRg st="7" end="7"/>
+                                            </p:txEl>
+                                          </p:spTgt>
+                                        </p:tgtEl>
+                                        <p:attrNameLst>
+                                          <p:attrName>ppt_x</p:attrName>
+                                        </p:attrNameLst>
+                                      </p:cBhvr>
+                                      <p:tavLst>
+                                        <p:tav tm="0">
+                                          <p:val>
+                                            <p:strVal val="1+#ppt_w/2"/>
+                                          </p:val>
+                                        </p:tav>
+                                        <p:tav tm="100000">
+                                          <p:val>
+                                            <p:strVal val="#ppt_x"/>
+                                          </p:val>
+                                        </p:tav>
+                                      </p:tavLst>
+                                    </p:anim>
+                                    <p:anim calcmode="lin" valueType="num">
+                                      <p:cBhvr additive="base">
+                                        <p:cTn id="70" dur="500" fill="hold"/>
+                                        <p:tgtEl>
+                                          <p:spTgt spid="3">
+                                            <p:txEl>
+                                              <p:pRg st="7" end="7"/>
+                                            </p:txEl>
+                                          </p:spTgt>
+                                        </p:tgtEl>
+                                        <p:attrNameLst>
+                                          <p:attrName>ppt_y</p:attrName>
+                                        </p:attrNameLst>
+                                      </p:cBhvr>
+                                      <p:tavLst>
+                                        <p:tav tm="0">
+                                          <p:val>
+                                            <p:strVal val="#ppt_y"/>
+                                          </p:val>
+                                        </p:tav>
+                                        <p:tav tm="100000">
+                                          <p:val>
+                                            <p:strVal val="#ppt_y"/>
+                                          </p:val>
+                                        </p:tav>
+                                      </p:tavLst>
+                                    </p:anim>
+                                  </p:childTnLst>
+                                </p:cTn>
+                              </p:par>
+                              <p:par>
+                                <p:cTn id="71" presetID="2" presetClass="entr" presetSubtype="2" fill="hold" nodeType="withEffect">
+                                  <p:stCondLst>
+                                    <p:cond delay="0"/>
+                                  </p:stCondLst>
+                                  <p:childTnLst>
+                                    <p:set>
+                                      <p:cBhvr>
+                                        <p:cTn id="72" dur="1" fill="hold">
+                                          <p:stCondLst>
+                                            <p:cond delay="0"/>
+                                          </p:stCondLst>
+                                        </p:cTn>
+                                        <p:tgtEl>
+                                          <p:spTgt spid="3">
+                                            <p:txEl>
+                                              <p:pRg st="8" end="8"/>
+                                            </p:txEl>
+                                          </p:spTgt>
+                                        </p:tgtEl>
+                                        <p:attrNameLst>
+                                          <p:attrName>style.visibility</p:attrName>
+                                        </p:attrNameLst>
+                                      </p:cBhvr>
+                                      <p:to>
+                                        <p:strVal val="visible"/>
+                                      </p:to>
+                                    </p:set>
+                                    <p:anim calcmode="lin" valueType="num">
+                                      <p:cBhvr additive="base">
+                                        <p:cTn id="73" dur="500" fill="hold"/>
+                                        <p:tgtEl>
+                                          <p:spTgt spid="3">
+                                            <p:txEl>
+                                              <p:pRg st="8" end="8"/>
+                                            </p:txEl>
+                                          </p:spTgt>
+                                        </p:tgtEl>
+                                        <p:attrNameLst>
+                                          <p:attrName>ppt_x</p:attrName>
+                                        </p:attrNameLst>
+                                      </p:cBhvr>
+                                      <p:tavLst>
+                                        <p:tav tm="0">
+                                          <p:val>
+                                            <p:strVal val="1+#ppt_w/2"/>
+                                          </p:val>
+                                        </p:tav>
+                                        <p:tav tm="100000">
+                                          <p:val>
+                                            <p:strVal val="#ppt_x"/>
+                                          </p:val>
+                                        </p:tav>
+                                      </p:tavLst>
+                                    </p:anim>
+                                    <p:anim calcmode="lin" valueType="num">
+                                      <p:cBhvr additive="base">
+                                        <p:cTn id="74" dur="500" fill="hold"/>
+                                        <p:tgtEl>
+                                          <p:spTgt spid="3">
+                                            <p:txEl>
+                                              <p:pRg st="8" end="8"/>
+                                            </p:txEl>
+                                          </p:spTgt>
+                                        </p:tgtEl>
+                                        <p:attrNameLst>
+                                          <p:attrName>ppt_y</p:attrName>
+                                        </p:attrNameLst>
+                                      </p:cBhvr>
+                                      <p:tavLst>
+                                        <p:tav tm="0">
+                                          <p:val>
+                                            <p:strVal val="#ppt_y"/>
+                                          </p:val>
+                                        </p:tav>
+                                        <p:tav tm="100000">
+                                          <p:val>
+                                            <p:strVal val="#ppt_y"/>
+                                          </p:val>
+                                        </p:tav>
+                                      </p:tavLst>
+                                    </p:anim>
+                                  </p:childTnLst>
+                                </p:cTn>
+                              </p:par>
+                              <p:par>
+                                <p:cTn id="75" presetID="2" presetClass="entr" presetSubtype="2" fill="hold" nodeType="withEffect">
+                                  <p:stCondLst>
+                                    <p:cond delay="0"/>
+                                  </p:stCondLst>
+                                  <p:childTnLst>
+                                    <p:set>
+                                      <p:cBhvr>
+                                        <p:cTn id="76" dur="1" fill="hold">
+                                          <p:stCondLst>
+                                            <p:cond delay="0"/>
+                                          </p:stCondLst>
+                                        </p:cTn>
+                                        <p:tgtEl>
+                                          <p:spTgt spid="3">
+                                            <p:txEl>
+                                              <p:pRg st="9" end="9"/>
+                                            </p:txEl>
+                                          </p:spTgt>
+                                        </p:tgtEl>
+                                        <p:attrNameLst>
+                                          <p:attrName>style.visibility</p:attrName>
+                                        </p:attrNameLst>
+                                      </p:cBhvr>
+                                      <p:to>
+                                        <p:strVal val="visible"/>
+                                      </p:to>
+                                    </p:set>
+                                    <p:anim calcmode="lin" valueType="num">
+                                      <p:cBhvr additive="base">
+                                        <p:cTn id="77" dur="500" fill="hold"/>
+                                        <p:tgtEl>
+                                          <p:spTgt spid="3">
+                                            <p:txEl>
+                                              <p:pRg st="9" end="9"/>
+                                            </p:txEl>
+                                          </p:spTgt>
+                                        </p:tgtEl>
+                                        <p:attrNameLst>
+                                          <p:attrName>ppt_x</p:attrName>
+                                        </p:attrNameLst>
+                                      </p:cBhvr>
+                                      <p:tavLst>
+                                        <p:tav tm="0">
+                                          <p:val>
+                                            <p:strVal val="1+#ppt_w/2"/>
+                                          </p:val>
+                                        </p:tav>
+                                        <p:tav tm="100000">
+                                          <p:val>
+                                            <p:strVal val="#ppt_x"/>
+                                          </p:val>
+                                        </p:tav>
+                                      </p:tavLst>
+                                    </p:anim>
+                                    <p:anim calcmode="lin" valueType="num">
+                                      <p:cBhvr additive="base">
+                                        <p:cTn id="78" dur="500" fill="hold"/>
+                                        <p:tgtEl>
+                                          <p:spTgt spid="3">
+                                            <p:txEl>
+                                              <p:pRg st="9" end="9"/>
+                                            </p:txEl>
+                                          </p:spTgt>
+                                        </p:tgtEl>
+                                        <p:attrNameLst>
+                                          <p:attrName>ppt_y</p:attrName>
+                                        </p:attrNameLst>
+                                      </p:cBhvr>
+                                      <p:tavLst>
+                                        <p:tav tm="0">
+                                          <p:val>
+                                            <p:strVal val="#ppt_y"/>
+                                          </p:val>
+                                        </p:tav>
+                                        <p:tav tm="100000">
+                                          <p:val>
+                                            <p:strVal val="#ppt_y"/>
+                                          </p:val>
+                                        </p:tav>
+                                      </p:tavLst>
+                                    </p:anim>
+                                  </p:childTnLst>
+                                </p:cTn>
+                              </p:par>
+                              <p:par>
+                                <p:cTn id="79" presetID="2" presetClass="entr" presetSubtype="2" fill="hold" nodeType="withEffect">
+                                  <p:stCondLst>
+                                    <p:cond delay="0"/>
+                                  </p:stCondLst>
+                                  <p:childTnLst>
+                                    <p:set>
+                                      <p:cBhvr>
+                                        <p:cTn id="80" dur="1" fill="hold">
+                                          <p:stCondLst>
+                                            <p:cond delay="0"/>
+                                          </p:stCondLst>
+                                        </p:cTn>
+                                        <p:tgtEl>
+                                          <p:spTgt spid="3">
+                                            <p:txEl>
+                                              <p:pRg st="10" end="10"/>
+                                            </p:txEl>
+                                          </p:spTgt>
+                                        </p:tgtEl>
+                                        <p:attrNameLst>
+                                          <p:attrName>style.visibility</p:attrName>
+                                        </p:attrNameLst>
+                                      </p:cBhvr>
+                                      <p:to>
+                                        <p:strVal val="visible"/>
+                                      </p:to>
+                                    </p:set>
+                                    <p:anim calcmode="lin" valueType="num">
+                                      <p:cBhvr additive="base">
+                                        <p:cTn id="81" dur="500" fill="hold"/>
+                                        <p:tgtEl>
+                                          <p:spTgt spid="3">
+                                            <p:txEl>
+                                              <p:pRg st="10" end="10"/>
+                                            </p:txEl>
+                                          </p:spTgt>
+                                        </p:tgtEl>
+                                        <p:attrNameLst>
+                                          <p:attrName>ppt_x</p:attrName>
+                                        </p:attrNameLst>
+                                      </p:cBhvr>
+                                      <p:tavLst>
+                                        <p:tav tm="0">
+                                          <p:val>
+                                            <p:strVal val="1+#ppt_w/2"/>
+                                          </p:val>
+                                        </p:tav>
+                                        <p:tav tm="100000">
+                                          <p:val>
+                                            <p:strVal val="#ppt_x"/>
+                                          </p:val>
+                                        </p:tav>
+                                      </p:tavLst>
+                                    </p:anim>
+                                    <p:anim calcmode="lin" valueType="num">
+                                      <p:cBhvr additive="base">
+                                        <p:cTn id="82" dur="500" fill="hold"/>
+                                        <p:tgtEl>
+                                          <p:spTgt spid="3">
+                                            <p:txEl>
+                                              <p:pRg st="10" end="10"/>
+                                            </p:txEl>
+                                          </p:spTgt>
+                                        </p:tgtEl>
+                                        <p:attrNameLst>
+                                          <p:attrName>ppt_y</p:attrName>
+                                        </p:attrNameLst>
+                                      </p:cBhvr>
+                                      <p:tavLst>
+                                        <p:tav tm="0">
+                                          <p:val>
+                                            <p:strVal val="#ppt_y"/>
+                                          </p:val>
+                                        </p:tav>
+                                        <p:tav tm="100000">
+                                          <p:val>
+                                            <p:strVal val="#ppt_y"/>
+                                          </p:val>
+                                        </p:tav>
+                                      </p:tavLst>
+                                    </p:anim>
+                                  </p:childTnLst>
+                                </p:cTn>
+                              </p:par>
+                            </p:childTnLst>
+                          </p:cTn>
+                        </p:par>
+                      </p:childTnLst>
+                    </p:cTn>
+                  </p:par>
+                </p:childTnLst>
+              </p:cTn>
+              <p:prevCondLst>
+                <p:cond evt="onPrev" delay="0">
+                  <p:tgtEl>
+                    <p:sldTgt/>
+                  </p:tgtEl>
+                </p:cond>
+              </p:prevCondLst>
+              <p:nextCondLst>
+                <p:cond evt="onNext" delay="0">
+                  <p:tgtEl>
+                    <p:sldTgt/>
+                  </p:tgtEl>
+                </p:cond>
+              </p:nextCondLst>
+            </p:seq>
+          </p:childTnLst>
+        </p:cTn>
       </p:par>
     </p:tnLst>
+    <p:bldLst>
+      <p:bldP spid="5" grpId="0" animBg="1"/>
+      <p:bldP spid="5" grpId="1" animBg="1"/>
+      <p:bldP spid="7" grpId="0" animBg="1"/>
+      <p:bldP spid="7" grpId="1" animBg="1"/>
+      <p:bldP spid="4" grpId="0" animBg="1"/>
+      <p:bldP spid="4" grpId="1" animBg="1"/>
+    </p:bldLst>
   </p:timing>
 </p:sld>
 </file>
@@ -6546,7 +8255,7 @@
           <a:p>
             <a:r>
               <a:rPr lang="it-IT" dirty="0" smtClean="0"/>
-              <a:t>Prove sperimentali – Simulatore</a:t>
+              <a:t>Prove sperimentali – Simulazioni</a:t>
             </a:r>
           </a:p>
         </p:txBody>
@@ -6561,19 +8270,14 @@
             <p:ph type="body" sz="quarter" idx="11"/>
           </p:nvPr>
         </p:nvSpPr>
-        <p:spPr>
-          <a:xfrm>
-            <a:off x="698499" y="1103314"/>
-            <a:ext cx="7690757" cy="5246687"/>
-          </a:xfrm>
-        </p:spPr>
+        <p:spPr/>
         <p:txBody>
           <a:bodyPr/>
           <a:lstStyle/>
           <a:p>
             <a:r>
               <a:rPr lang="it-IT" dirty="0" smtClean="0"/>
-              <a:t>OMNeT++:</a:t>
+              <a:t>Parametri di simulazione:</a:t>
             </a:r>
           </a:p>
           <a:p>
@@ -6582,8 +8286,29 @@
               <a:buChar char="•"/>
             </a:pPr>
             <a:r>
-              <a:rPr lang="it-IT" sz="2400" dirty="0" smtClean="0"/>
-              <a:t>Simulatore di reti e protocolli</a:t>
+              <a:rPr lang="it-IT" sz="2400" dirty="0" smtClean="0">
+                <a:latin typeface="Calibri"/>
+              </a:rPr>
+              <a:t>Numero di nodi: </a:t>
+            </a:r>
+            <a:r>
+              <a:rPr lang="it-IT" sz="2400" i="1" dirty="0" smtClean="0">
+                <a:latin typeface="Calibri"/>
+              </a:rPr>
+              <a:t> </a:t>
+            </a:r>
+            <a:r>
+              <a:rPr lang="it-IT" sz="2400" b="1" dirty="0" smtClean="0">
+                <a:latin typeface="Calibri"/>
+              </a:rPr>
+              <a:t>2 </a:t>
+            </a:r>
+            <a:r>
+              <a:rPr lang="it-IT" sz="2400" b="1" dirty="0" smtClean="0">
+                <a:latin typeface="Calibri"/>
+                <a:sym typeface="Wingdings" pitchFamily="2" charset="2"/>
+              </a:rPr>
+              <a:t> 1000</a:t>
             </a:r>
           </a:p>
           <a:p>
@@ -6592,8 +8317,18 @@
               <a:buChar char="•"/>
             </a:pPr>
             <a:r>
-              <a:rPr lang="it-IT" sz="2400" dirty="0" smtClean="0"/>
-              <a:t>Linguaggio C++</a:t>
+              <a:rPr lang="it-IT" sz="2400" dirty="0" smtClean="0">
+                <a:latin typeface="Calibri"/>
+                <a:sym typeface="Wingdings" pitchFamily="2" charset="2"/>
+              </a:rPr>
+              <a:t>Densità di nodi:  </a:t>
+            </a:r>
+            <a:r>
+              <a:rPr lang="it-IT" sz="2400" b="1" dirty="0" smtClean="0">
+                <a:latin typeface="Calibri"/>
+                <a:sym typeface="Wingdings" pitchFamily="2" charset="2"/>
+              </a:rPr>
+              <a:t>0.02 nodi/mq    0.0001 nodi/mq</a:t>
             </a:r>
           </a:p>
           <a:p>
@@ -6602,41 +8337,84 @@
               <a:buChar char="•"/>
             </a:pPr>
             <a:r>
-              <a:rPr lang="it-IT" sz="2400" dirty="0" smtClean="0"/>
-              <a:t>Software basato su </a:t>
-            </a:r>
-            <a:r>
-              <a:rPr lang="it-IT" sz="2400" dirty="0" err="1" smtClean="0"/>
-              <a:t>Eclipse</a:t>
-            </a:r>
-            <a:endParaRPr lang="it-IT" sz="2400" dirty="0" smtClean="0"/>
+              <a:rPr lang="it-IT" sz="2400" dirty="0" smtClean="0">
+                <a:latin typeface="Calibri"/>
+                <a:sym typeface="Wingdings" pitchFamily="2" charset="2"/>
+              </a:rPr>
+              <a:t>Raggio d’azione </a:t>
+            </a:r>
+            <a:r>
+              <a:rPr lang="el-GR" sz="2400" dirty="0" smtClean="0">
+                <a:latin typeface="Calibri"/>
+                <a:sym typeface="Wingdings" pitchFamily="2" charset="2"/>
+              </a:rPr>
+              <a:t>ρ</a:t>
+            </a:r>
+            <a:r>
+              <a:rPr lang="it-IT" sz="2400" dirty="0" smtClean="0">
+                <a:latin typeface="Calibri"/>
+                <a:sym typeface="Wingdings" pitchFamily="2" charset="2"/>
+              </a:rPr>
+              <a:t>:  </a:t>
+            </a:r>
+            <a:r>
+              <a:rPr lang="it-IT" sz="2400" b="1" dirty="0" smtClean="0">
+                <a:latin typeface="Calibri"/>
+                <a:sym typeface="Wingdings" pitchFamily="2" charset="2"/>
+              </a:rPr>
+              <a:t>15m, 50m</a:t>
+            </a:r>
           </a:p>
           <a:p>
             <a:pPr>
               <a:buFont typeface="Arial" pitchFamily="34" charset="0"/>
               <a:buChar char="•"/>
             </a:pPr>
-            <a:r>
-              <a:rPr lang="it-IT" sz="2400" dirty="0" smtClean="0"/>
-              <a:t>Strumenti per la rappresentazione grafica</a:t>
-            </a:r>
-          </a:p>
-          <a:p>
-            <a:pPr>
+            <a:endParaRPr lang="it-IT" sz="2400" b="1" dirty="0" smtClean="0">
+              <a:latin typeface="Calibri"/>
+              <a:sym typeface="Wingdings" pitchFamily="2" charset="2"/>
+            </a:endParaRPr>
+          </a:p>
+          <a:p>
+            <a:pPr lvl="0">
+              <a:defRPr/>
+            </a:pPr>
+            <a:r>
+              <a:rPr lang="it-IT" dirty="0" smtClean="0"/>
+              <a:t>Dati raccolti:</a:t>
+            </a:r>
+          </a:p>
+          <a:p>
+            <a:pPr lvl="0">
               <a:buFont typeface="Arial" pitchFamily="34" charset="0"/>
               <a:buChar char="•"/>
+              <a:defRPr/>
             </a:pPr>
             <a:r>
               <a:rPr lang="it-IT" sz="2400" dirty="0" smtClean="0"/>
-              <a:t>Strumenti per la raccolta e l’analisi dei dati: grafici temporali e statistiche (media, varianza, intervallo di confidenza, </a:t>
-            </a:r>
-            <a:r>
-              <a:rPr lang="it-IT" sz="2400" dirty="0" err="1" smtClean="0"/>
-              <a:t>etc…</a:t>
-            </a:r>
+              <a:t>Copertura della rete</a:t>
+            </a:r>
+          </a:p>
+          <a:p>
+            <a:pPr lvl="0">
+              <a:buFont typeface="Arial" pitchFamily="34" charset="0"/>
+              <a:buChar char="•"/>
+              <a:defRPr/>
+            </a:pPr>
             <a:r>
               <a:rPr lang="it-IT" sz="2400" dirty="0" smtClean="0"/>
-              <a:t>)</a:t>
+              <a:t>Tempo totale richiesto per la rispettiva copertura</a:t>
+            </a:r>
+          </a:p>
+          <a:p>
+            <a:pPr lvl="0">
+              <a:buFont typeface="Arial" pitchFamily="34" charset="0"/>
+              <a:buChar char="•"/>
+              <a:defRPr/>
+            </a:pPr>
+            <a:r>
+              <a:rPr lang="it-IT" sz="2400" dirty="0" smtClean="0"/>
+              <a:t>Efficienza</a:t>
             </a:r>
           </a:p>
         </p:txBody>
@@ -6657,220 +8435,6 @@
 </file>
 
 <file path=ppt/slides/slide21.xml><?xml version="1.0" encoding="utf-8"?>
-<p:sld xmlns:a="http://schemas.openxmlformats.org/drawingml/2006/main" xmlns:r="http://schemas.openxmlformats.org/officeDocument/2006/relationships" xmlns:p="http://schemas.openxmlformats.org/presentationml/2006/main">
-  <p:cSld>
-    <p:spTree>
-      <p:nvGrpSpPr>
-        <p:cNvPr id="1" name=""/>
-        <p:cNvGrpSpPr/>
-        <p:nvPr/>
-      </p:nvGrpSpPr>
-      <p:grpSpPr>
-        <a:xfrm>
-          <a:off x="0" y="0"/>
-          <a:ext cx="0" cy="0"/>
-          <a:chOff x="0" y="0"/>
-          <a:chExt cx="0" cy="0"/>
-        </a:xfrm>
-      </p:grpSpPr>
-      <p:sp>
-        <p:nvSpPr>
-          <p:cNvPr id="2" name="Segnaposto testo 1"/>
-          <p:cNvSpPr>
-            <a:spLocks noGrp="1"/>
-          </p:cNvSpPr>
-          <p:nvPr>
-            <p:ph type="body" sz="quarter" idx="10"/>
-          </p:nvPr>
-        </p:nvSpPr>
-        <p:spPr/>
-        <p:txBody>
-          <a:bodyPr/>
-          <a:lstStyle/>
-          <a:p>
-            <a:r>
-              <a:rPr lang="it-IT" dirty="0" smtClean="0"/>
-              <a:t>Prove sperimentali – Simulazioni</a:t>
-            </a:r>
-          </a:p>
-        </p:txBody>
-      </p:sp>
-      <p:sp>
-        <p:nvSpPr>
-          <p:cNvPr id="3" name="Segnaposto testo 2"/>
-          <p:cNvSpPr>
-            <a:spLocks noGrp="1"/>
-          </p:cNvSpPr>
-          <p:nvPr>
-            <p:ph type="body" sz="quarter" idx="11"/>
-          </p:nvPr>
-        </p:nvSpPr>
-        <p:spPr/>
-        <p:txBody>
-          <a:bodyPr/>
-          <a:lstStyle/>
-          <a:p>
-            <a:r>
-              <a:rPr lang="it-IT" dirty="0" smtClean="0"/>
-              <a:t>Parametri di simulazione:</a:t>
-            </a:r>
-          </a:p>
-          <a:p>
-            <a:pPr>
-              <a:buFont typeface="Arial" pitchFamily="34" charset="0"/>
-              <a:buChar char="•"/>
-            </a:pPr>
-            <a:r>
-              <a:rPr lang="it-IT" sz="2400" dirty="0" smtClean="0">
-                <a:latin typeface="Calibri"/>
-              </a:rPr>
-              <a:t>Numero di nodi: </a:t>
-            </a:r>
-            <a:r>
-              <a:rPr lang="it-IT" sz="2400" i="1" dirty="0" smtClean="0">
-                <a:latin typeface="Calibri"/>
-              </a:rPr>
-              <a:t> </a:t>
-            </a:r>
-            <a:r>
-              <a:rPr lang="it-IT" sz="2400" b="1" dirty="0" smtClean="0">
-                <a:latin typeface="Calibri"/>
-              </a:rPr>
-              <a:t>2 </a:t>
-            </a:r>
-            <a:r>
-              <a:rPr lang="it-IT" sz="2400" b="1" dirty="0" smtClean="0">
-                <a:latin typeface="Calibri"/>
-                <a:sym typeface="Wingdings" pitchFamily="2" charset="2"/>
-              </a:rPr>
-              <a:t> 1000</a:t>
-            </a:r>
-          </a:p>
-          <a:p>
-            <a:pPr>
-              <a:buFont typeface="Arial" pitchFamily="34" charset="0"/>
-              <a:buChar char="•"/>
-            </a:pPr>
-            <a:r>
-              <a:rPr lang="it-IT" sz="2400" dirty="0" smtClean="0">
-                <a:latin typeface="Calibri"/>
-                <a:sym typeface="Wingdings" pitchFamily="2" charset="2"/>
-              </a:rPr>
-              <a:t>Densità di nodi:  </a:t>
-            </a:r>
-            <a:r>
-              <a:rPr lang="it-IT" sz="2400" b="1" dirty="0" smtClean="0">
-                <a:latin typeface="Calibri"/>
-                <a:sym typeface="Wingdings" pitchFamily="2" charset="2"/>
-              </a:rPr>
-              <a:t>0.02 nodi/mq    0.0001 nodi/mq</a:t>
-            </a:r>
-          </a:p>
-          <a:p>
-            <a:pPr>
-              <a:buFont typeface="Arial" pitchFamily="34" charset="0"/>
-              <a:buChar char="•"/>
-            </a:pPr>
-            <a:r>
-              <a:rPr lang="it-IT" sz="2400" dirty="0" smtClean="0">
-                <a:latin typeface="Calibri"/>
-                <a:sym typeface="Wingdings" pitchFamily="2" charset="2"/>
-              </a:rPr>
-              <a:t>Raggio d’azione </a:t>
-            </a:r>
-            <a:r>
-              <a:rPr lang="el-GR" sz="2400" dirty="0" smtClean="0">
-                <a:latin typeface="Calibri"/>
-                <a:sym typeface="Wingdings" pitchFamily="2" charset="2"/>
-              </a:rPr>
-              <a:t>ρ</a:t>
-            </a:r>
-            <a:r>
-              <a:rPr lang="it-IT" sz="2400" dirty="0" smtClean="0">
-                <a:latin typeface="Calibri"/>
-                <a:sym typeface="Wingdings" pitchFamily="2" charset="2"/>
-              </a:rPr>
-              <a:t>:  </a:t>
-            </a:r>
-            <a:r>
-              <a:rPr lang="it-IT" sz="2400" b="1" dirty="0" smtClean="0">
-                <a:latin typeface="Calibri"/>
-                <a:sym typeface="Wingdings" pitchFamily="2" charset="2"/>
-              </a:rPr>
-              <a:t>15m, 50m</a:t>
-            </a:r>
-          </a:p>
-          <a:p>
-            <a:pPr>
-              <a:buFont typeface="Arial" pitchFamily="34" charset="0"/>
-              <a:buChar char="•"/>
-            </a:pPr>
-            <a:endParaRPr lang="it-IT" sz="2400" b="1" dirty="0" smtClean="0">
-              <a:latin typeface="Calibri"/>
-              <a:sym typeface="Wingdings" pitchFamily="2" charset="2"/>
-            </a:endParaRPr>
-          </a:p>
-          <a:p>
-            <a:pPr lvl="0">
-              <a:defRPr/>
-            </a:pPr>
-            <a:r>
-              <a:rPr lang="it-IT" dirty="0" smtClean="0"/>
-              <a:t>Dati raccolti:</a:t>
-            </a:r>
-          </a:p>
-          <a:p>
-            <a:pPr lvl="0">
-              <a:buFont typeface="Arial" pitchFamily="34" charset="0"/>
-              <a:buChar char="•"/>
-              <a:defRPr/>
-            </a:pPr>
-            <a:r>
-              <a:rPr lang="it-IT" sz="2400" dirty="0" smtClean="0"/>
-              <a:t>Copertura della rete</a:t>
-            </a:r>
-          </a:p>
-          <a:p>
-            <a:pPr lvl="0">
-              <a:buFont typeface="Arial" pitchFamily="34" charset="0"/>
-              <a:buChar char="•"/>
-              <a:defRPr/>
-            </a:pPr>
-            <a:r>
-              <a:rPr lang="it-IT" sz="2400" dirty="0" smtClean="0"/>
-              <a:t>Tempo totale richiesto per la rispettiva copertura</a:t>
-            </a:r>
-          </a:p>
-          <a:p>
-            <a:pPr lvl="0">
-              <a:buFont typeface="Arial" pitchFamily="34" charset="0"/>
-              <a:buChar char="•"/>
-              <a:defRPr/>
-            </a:pPr>
-            <a:r>
-              <a:rPr lang="it-IT" sz="2400" dirty="0" smtClean="0"/>
-              <a:t>Efficienza</a:t>
-            </a:r>
-            <a:endParaRPr lang="it-IT" sz="2400" dirty="0" smtClean="0"/>
-          </a:p>
-        </p:txBody>
-      </p:sp>
-    </p:spTree>
-  </p:cSld>
-  <p:clrMapOvr>
-    <a:masterClrMapping/>
-  </p:clrMapOvr>
-  <p:timing>
-    <p:tnLst>
-      <p:par>
-        <p:cTn id="1" dur="indefinite" restart="never" nodeType="tmRoot"/>
-      </p:par>
-    </p:tnLst>
-  </p:timing>
-</p:sld>
-</file>
-
-<file path=ppt/slides/slide22.xml><?xml version="1.0" encoding="utf-8"?>
 <p:sld xmlns:a="http://schemas.openxmlformats.org/drawingml/2006/main" xmlns:r="http://schemas.openxmlformats.org/officeDocument/2006/relationships" xmlns:p="http://schemas.openxmlformats.org/presentationml/2006/main">
   <p:cSld>
     <p:spTree>
@@ -6976,7 +8540,7 @@
 </p:sld>
 </file>
 
-<file path=ppt/slides/slide23.xml><?xml version="1.0" encoding="utf-8"?>
+<file path=ppt/slides/slide22.xml><?xml version="1.0" encoding="utf-8"?>
 <p:sld xmlns:a="http://schemas.openxmlformats.org/drawingml/2006/main" xmlns:r="http://schemas.openxmlformats.org/officeDocument/2006/relationships" xmlns:p="http://schemas.openxmlformats.org/presentationml/2006/main">
   <p:cSld>
     <p:spTree>
@@ -7041,6 +8605,151 @@
           <a:noFill/>
         </p:spPr>
       </p:pic>
+    </p:spTree>
+  </p:cSld>
+  <p:clrMapOvr>
+    <a:masterClrMapping/>
+  </p:clrMapOvr>
+  <p:timing>
+    <p:tnLst>
+      <p:par>
+        <p:cTn id="1" dur="indefinite" restart="never" nodeType="tmRoot"/>
+      </p:par>
+    </p:tnLst>
+  </p:timing>
+</p:sld>
+</file>
+
+<file path=ppt/slides/slide23.xml><?xml version="1.0" encoding="utf-8"?>
+<p:sld xmlns:a="http://schemas.openxmlformats.org/drawingml/2006/main" xmlns:r="http://schemas.openxmlformats.org/officeDocument/2006/relationships" xmlns:p="http://schemas.openxmlformats.org/presentationml/2006/main">
+  <p:cSld>
+    <p:spTree>
+      <p:nvGrpSpPr>
+        <p:cNvPr id="1" name=""/>
+        <p:cNvGrpSpPr/>
+        <p:nvPr/>
+      </p:nvGrpSpPr>
+      <p:grpSpPr>
+        <a:xfrm>
+          <a:off x="0" y="0"/>
+          <a:ext cx="0" cy="0"/>
+          <a:chOff x="0" y="0"/>
+          <a:chExt cx="0" cy="0"/>
+        </a:xfrm>
+      </p:grpSpPr>
+      <p:sp>
+        <p:nvSpPr>
+          <p:cNvPr id="3" name="Segnaposto testo 2"/>
+          <p:cNvSpPr>
+            <a:spLocks noGrp="1"/>
+          </p:cNvSpPr>
+          <p:nvPr>
+            <p:ph type="body" sz="quarter" idx="10"/>
+          </p:nvPr>
+        </p:nvSpPr>
+        <p:spPr/>
+        <p:txBody>
+          <a:bodyPr/>
+          <a:lstStyle/>
+          <a:p>
+            <a:r>
+              <a:rPr lang="it-IT" dirty="0" smtClean="0"/>
+              <a:t>Sommario</a:t>
+            </a:r>
+          </a:p>
+        </p:txBody>
+      </p:sp>
+      <p:sp>
+        <p:nvSpPr>
+          <p:cNvPr id="4" name="Segnaposto testo 3"/>
+          <p:cNvSpPr>
+            <a:spLocks noGrp="1"/>
+          </p:cNvSpPr>
+          <p:nvPr>
+            <p:ph type="body" sz="quarter" idx="11"/>
+          </p:nvPr>
+        </p:nvSpPr>
+        <p:spPr/>
+        <p:txBody>
+          <a:bodyPr/>
+          <a:lstStyle/>
+          <a:p>
+            <a:pPr>
+              <a:buFont typeface="Arial" pitchFamily="34" charset="0"/>
+              <a:buChar char="•"/>
+            </a:pPr>
+            <a:r>
+              <a:rPr lang="it-IT" dirty="0" smtClean="0">
+                <a:solidFill>
+                  <a:schemeClr val="bg1">
+                    <a:lumMod val="50000"/>
+                  </a:schemeClr>
+                </a:solidFill>
+              </a:rPr>
+              <a:t>Introduzione</a:t>
+            </a:r>
+          </a:p>
+          <a:p>
+            <a:pPr>
+              <a:buFont typeface="Arial" pitchFamily="34" charset="0"/>
+              <a:buChar char="•"/>
+            </a:pPr>
+            <a:r>
+              <a:rPr lang="it-IT" dirty="0" smtClean="0">
+                <a:solidFill>
+                  <a:schemeClr val="bg1">
+                    <a:lumMod val="50000"/>
+                  </a:schemeClr>
+                </a:solidFill>
+              </a:rPr>
+              <a:t>Studio di fattibilità</a:t>
+            </a:r>
+          </a:p>
+          <a:p>
+            <a:pPr>
+              <a:buFont typeface="Arial" pitchFamily="34" charset="0"/>
+              <a:buChar char="•"/>
+            </a:pPr>
+            <a:r>
+              <a:rPr lang="it-IT" dirty="0" smtClean="0">
+                <a:solidFill>
+                  <a:schemeClr val="bg1">
+                    <a:lumMod val="50000"/>
+                  </a:schemeClr>
+                </a:solidFill>
+              </a:rPr>
+              <a:t>Soluzione proposta</a:t>
+            </a:r>
+          </a:p>
+          <a:p>
+            <a:pPr>
+              <a:buFont typeface="Arial" pitchFamily="34" charset="0"/>
+              <a:buChar char="•"/>
+            </a:pPr>
+            <a:r>
+              <a:rPr lang="it-IT" dirty="0" smtClean="0">
+                <a:solidFill>
+                  <a:schemeClr val="bg1">
+                    <a:lumMod val="50000"/>
+                  </a:schemeClr>
+                </a:solidFill>
+              </a:rPr>
+              <a:t>Risultati ottenuti</a:t>
+            </a:r>
+          </a:p>
+          <a:p>
+            <a:pPr>
+              <a:buFont typeface="Arial" pitchFamily="34" charset="0"/>
+              <a:buChar char="•"/>
+            </a:pPr>
+            <a:r>
+              <a:rPr lang="it-IT" b="1" dirty="0" smtClean="0"/>
+              <a:t>Conclusioni</a:t>
+            </a:r>
+            <a:endParaRPr lang="it-IT" b="1" dirty="0"/>
+          </a:p>
+        </p:txBody>
+      </p:sp>
     </p:spTree>
   </p:cSld>
   <p:clrMapOvr>
@@ -7090,7 +8799,7 @@
           <a:p>
             <a:r>
               <a:rPr lang="it-IT" dirty="0" smtClean="0"/>
-              <a:t>Sommario</a:t>
+              <a:t>Conclusioni</a:t>
             </a:r>
           </a:p>
         </p:txBody>
@@ -7105,24 +8814,29 @@
             <p:ph type="body" sz="quarter" idx="11"/>
           </p:nvPr>
         </p:nvSpPr>
-        <p:spPr/>
+        <p:spPr>
+          <a:xfrm>
+            <a:off x="698499" y="1103314"/>
+            <a:ext cx="7752773" cy="5246687"/>
+          </a:xfrm>
+        </p:spPr>
         <p:txBody>
           <a:bodyPr/>
           <a:lstStyle/>
+          <a:p>
+            <a:r>
+              <a:rPr lang="it-IT" sz="2800" b="1" dirty="0" smtClean="0"/>
+              <a:t>Conclusioni:</a:t>
+            </a:r>
+          </a:p>
           <a:p>
             <a:pPr>
               <a:buFont typeface="Arial" pitchFamily="34" charset="0"/>
               <a:buChar char="•"/>
             </a:pPr>
             <a:r>
-              <a:rPr lang="it-IT" dirty="0" smtClean="0">
-                <a:solidFill>
-                  <a:schemeClr val="bg1">
-                    <a:lumMod val="50000"/>
-                  </a:schemeClr>
-                </a:solidFill>
-              </a:rPr>
-              <a:t>Introduzione</a:t>
+              <a:rPr lang="it-IT" sz="2400" dirty="0" smtClean="0"/>
+              <a:t>BLE, offre un basso consumo energetico</a:t>
             </a:r>
           </a:p>
           <a:p>
@@ -7131,14 +8845,8 @@
               <a:buChar char="•"/>
             </a:pPr>
             <a:r>
-              <a:rPr lang="it-IT" dirty="0" smtClean="0">
-                <a:solidFill>
-                  <a:schemeClr val="bg1">
-                    <a:lumMod val="50000"/>
-                  </a:schemeClr>
-                </a:solidFill>
-              </a:rPr>
-              <a:t>Studio di fattibilità</a:t>
+              <a:rPr lang="it-IT" sz="2400" dirty="0" smtClean="0"/>
+              <a:t>Gossip, lavora bene con lo standard BLE</a:t>
             </a:r>
           </a:p>
           <a:p>
@@ -7147,14 +8855,8 @@
               <a:buChar char="•"/>
             </a:pPr>
             <a:r>
-              <a:rPr lang="it-IT" dirty="0" smtClean="0">
-                <a:solidFill>
-                  <a:schemeClr val="bg1">
-                    <a:lumMod val="50000"/>
-                  </a:schemeClr>
-                </a:solidFill>
-              </a:rPr>
-              <a:t>Soluzione proposta</a:t>
+              <a:rPr lang="it-IT" sz="2400" dirty="0" smtClean="0"/>
+              <a:t>La soluzione si adatta bene ai cambiamenti esterni/interni</a:t>
             </a:r>
           </a:p>
           <a:p>
@@ -7163,14 +8865,19 @@
               <a:buChar char="•"/>
             </a:pPr>
             <a:r>
-              <a:rPr lang="it-IT" dirty="0" smtClean="0">
-                <a:solidFill>
-                  <a:schemeClr val="bg1">
-                    <a:lumMod val="50000"/>
-                  </a:schemeClr>
-                </a:solidFill>
-              </a:rPr>
-              <a:t>Risultati ottenuti</a:t>
+              <a:rPr lang="it-IT" sz="2400" dirty="0" smtClean="0"/>
+              <a:t>Efficienza stabile e buona fino a densità relativamente basse</a:t>
+            </a:r>
+            <a:endParaRPr lang="it-IT" b="1" dirty="0" smtClean="0"/>
+          </a:p>
+          <a:p>
+            <a:r>
+              <a:rPr lang="it-IT" sz="2800" b="1" dirty="0" smtClean="0"/>
+              <a:t>Sviluppi futuri</a:t>
+            </a:r>
+            <a:r>
+              <a:rPr lang="it-IT" sz="2800" b="1" dirty="0" smtClean="0"/>
+              <a:t>:</a:t>
             </a:r>
           </a:p>
           <a:p>
@@ -7179,10 +8886,50 @@
               <a:buChar char="•"/>
             </a:pPr>
             <a:r>
-              <a:rPr lang="it-IT" b="1" dirty="0" smtClean="0"/>
-              <a:t>Conclusioni</a:t>
-            </a:r>
-            <a:endParaRPr lang="it-IT" b="1" dirty="0"/>
+              <a:rPr lang="it-IT" sz="2400" dirty="0" smtClean="0"/>
+              <a:t>Mobilità dei nodi</a:t>
+            </a:r>
+          </a:p>
+          <a:p>
+            <a:pPr>
+              <a:buFont typeface="Arial" pitchFamily="34" charset="0"/>
+              <a:buChar char="•"/>
+            </a:pPr>
+            <a:r>
+              <a:rPr lang="it-IT" sz="2400" dirty="0" smtClean="0"/>
+              <a:t>Migliore distribuzione dei nodi</a:t>
+            </a:r>
+          </a:p>
+          <a:p>
+            <a:pPr>
+              <a:buFont typeface="Arial" pitchFamily="34" charset="0"/>
+              <a:buChar char="•"/>
+            </a:pPr>
+            <a:r>
+              <a:rPr lang="it-IT" sz="2400" dirty="0" smtClean="0"/>
+              <a:t>Più connessioni per singolo Master</a:t>
+            </a:r>
+          </a:p>
+          <a:p>
+            <a:pPr>
+              <a:buFont typeface="Arial" pitchFamily="34" charset="0"/>
+              <a:buChar char="•"/>
+            </a:pPr>
+            <a:r>
+              <a:rPr lang="it-IT" sz="2400" dirty="0" smtClean="0"/>
+              <a:t>Miglior gestione dei messaggi (TTL)</a:t>
+            </a:r>
+          </a:p>
+          <a:p>
+            <a:pPr>
+              <a:buFont typeface="Arial" pitchFamily="34" charset="0"/>
+              <a:buChar char="•"/>
+            </a:pPr>
+            <a:r>
+              <a:rPr lang="it-IT" sz="2400" dirty="0" smtClean="0"/>
+              <a:t>Nuovi algoritmi più efficienti</a:t>
+            </a:r>
+            <a:endParaRPr lang="it-IT" sz="2400" dirty="0"/>
           </a:p>
         </p:txBody>
       </p:sp>
@@ -7202,98 +8949,6 @@
 </file>
 
 <file path=ppt/slides/slide25.xml><?xml version="1.0" encoding="utf-8"?>
-<p:sld xmlns:a="http://schemas.openxmlformats.org/drawingml/2006/main" xmlns:r="http://schemas.openxmlformats.org/officeDocument/2006/relationships" xmlns:p="http://schemas.openxmlformats.org/presentationml/2006/main">
-  <p:cSld>
-    <p:spTree>
-      <p:nvGrpSpPr>
-        <p:cNvPr id="1" name=""/>
-        <p:cNvGrpSpPr/>
-        <p:nvPr/>
-      </p:nvGrpSpPr>
-      <p:grpSpPr>
-        <a:xfrm>
-          <a:off x="0" y="0"/>
-          <a:ext cx="0" cy="0"/>
-          <a:chOff x="0" y="0"/>
-          <a:chExt cx="0" cy="0"/>
-        </a:xfrm>
-      </p:grpSpPr>
-      <p:sp>
-        <p:nvSpPr>
-          <p:cNvPr id="3" name="Segnaposto testo 2"/>
-          <p:cNvSpPr>
-            <a:spLocks noGrp="1"/>
-          </p:cNvSpPr>
-          <p:nvPr>
-            <p:ph type="body" sz="quarter" idx="10"/>
-          </p:nvPr>
-        </p:nvSpPr>
-        <p:spPr/>
-        <p:txBody>
-          <a:bodyPr/>
-          <a:lstStyle/>
-          <a:p>
-            <a:r>
-              <a:rPr lang="it-IT" dirty="0" smtClean="0"/>
-              <a:t>Conclusioni</a:t>
-            </a:r>
-          </a:p>
-        </p:txBody>
-      </p:sp>
-      <p:sp>
-        <p:nvSpPr>
-          <p:cNvPr id="4" name="Segnaposto testo 3"/>
-          <p:cNvSpPr>
-            <a:spLocks noGrp="1"/>
-          </p:cNvSpPr>
-          <p:nvPr>
-            <p:ph type="body" sz="quarter" idx="11"/>
-          </p:nvPr>
-        </p:nvSpPr>
-        <p:spPr/>
-        <p:txBody>
-          <a:bodyPr/>
-          <a:lstStyle/>
-          <a:p>
-            <a:r>
-              <a:rPr lang="it-IT" b="1" dirty="0" smtClean="0"/>
-              <a:t>Conclusioni:</a:t>
-            </a:r>
-          </a:p>
-          <a:p>
-            <a:endParaRPr lang="it-IT" b="1" dirty="0" smtClean="0"/>
-          </a:p>
-          <a:p>
-            <a:endParaRPr lang="it-IT" b="1" dirty="0" smtClean="0"/>
-          </a:p>
-          <a:p>
-            <a:endParaRPr lang="it-IT" b="1" dirty="0" smtClean="0"/>
-          </a:p>
-          <a:p>
-            <a:r>
-              <a:rPr lang="it-IT" b="1" smtClean="0"/>
-              <a:t>Sviluppi futuri:</a:t>
-            </a:r>
-            <a:endParaRPr lang="it-IT" b="1" dirty="0"/>
-          </a:p>
-        </p:txBody>
-      </p:sp>
-    </p:spTree>
-  </p:cSld>
-  <p:clrMapOvr>
-    <a:masterClrMapping/>
-  </p:clrMapOvr>
-  <p:timing>
-    <p:tnLst>
-      <p:par>
-        <p:cTn id="1" dur="indefinite" restart="never" nodeType="tmRoot"/>
-      </p:par>
-    </p:tnLst>
-  </p:timing>
-</p:sld>
-</file>
-
-<file path=ppt/slides/slide26.xml><?xml version="1.0" encoding="utf-8"?>
 <p:sld xmlns:a="http://schemas.openxmlformats.org/drawingml/2006/main" xmlns:r="http://schemas.openxmlformats.org/officeDocument/2006/relationships" xmlns:p="http://schemas.openxmlformats.org/presentationml/2006/main">
   <p:cSld>
     <p:spTree>
@@ -7915,11 +9570,7 @@
             </a:pPr>
             <a:r>
               <a:rPr lang="it-IT" sz="2400" dirty="0" smtClean="0"/>
-              <a:t>Forti </a:t>
-            </a:r>
-            <a:r>
-              <a:rPr lang="it-IT" sz="2400" dirty="0" smtClean="0"/>
-              <a:t>nevicate</a:t>
+              <a:t>Forti nevicate</a:t>
             </a:r>
           </a:p>
           <a:p>
@@ -7933,11 +9584,7 @@
             </a:r>
             <a:r>
               <a:rPr lang="it-IT" sz="2400" dirty="0" smtClean="0"/>
-              <a:t> </a:t>
-            </a:r>
-            <a:r>
-              <a:rPr lang="it-IT" sz="2400" dirty="0" smtClean="0"/>
-              <a:t>idrogeologici</a:t>
+              <a:t> idrogeologici</a:t>
             </a:r>
           </a:p>
           <a:p>
@@ -7947,7 +9594,7 @@
             </a:pPr>
             <a:r>
               <a:rPr lang="it-IT" sz="2400" dirty="0" smtClean="0"/>
-              <a:t>Inondazioni</a:t>
+              <a:t>Esondazioni</a:t>
             </a:r>
           </a:p>
           <a:p>
@@ -7957,7 +9604,7 @@
             </a:pPr>
             <a:r>
               <a:rPr lang="it-IT" sz="2400" dirty="0" smtClean="0"/>
-              <a:t>Straripamento di fiumi</a:t>
+              <a:t>Trombe d’aria</a:t>
             </a:r>
           </a:p>
           <a:p>
@@ -7967,7 +9614,7 @@
             </a:pPr>
             <a:r>
               <a:rPr lang="it-IT" sz="2400" dirty="0" smtClean="0"/>
-              <a:t>Trombe d’aria</a:t>
+              <a:t>Forti eventi atmosferici</a:t>
             </a:r>
           </a:p>
           <a:p>
@@ -7975,10 +9622,14 @@
               <a:buFont typeface="Arial" pitchFamily="34" charset="0"/>
               <a:buChar char="•"/>
             </a:pPr>
-            <a:r>
-              <a:rPr lang="it-IT" sz="2400" dirty="0" smtClean="0"/>
-              <a:t>Forti eventi atmosferici</a:t>
-            </a:r>
+            <a:endParaRPr lang="it-IT" sz="2400" dirty="0" smtClean="0"/>
+          </a:p>
+          <a:p>
+            <a:pPr>
+              <a:buFont typeface="Arial" pitchFamily="34" charset="0"/>
+              <a:buChar char="•"/>
+            </a:pPr>
+            <a:endParaRPr lang="it-IT" sz="2400" dirty="0" smtClean="0"/>
           </a:p>
           <a:p>
             <a:pPr>
@@ -8124,9 +9775,6 @@
                     <p:cTn id="3" fill="hold">
                       <p:stCondLst>
                         <p:cond delay="indefinite"/>
-                        <p:cond evt="onBegin" delay="0">
-                          <p:tn val="2"/>
-                        </p:cond>
                       </p:stCondLst>
                       <p:childTnLst>
                         <p:par>
@@ -8136,7 +9784,7 @@
                             </p:stCondLst>
                             <p:childTnLst>
                               <p:par>
-                                <p:cTn id="5" presetID="12" presetClass="entr" presetSubtype="4" fill="hold" nodeType="withEffect">
+                                <p:cTn id="5" presetID="2" presetClass="entr" presetSubtype="2" fill="hold" nodeType="clickEffect">
                                   <p:stCondLst>
                                     <p:cond delay="0"/>
                                   </p:stCondLst>
@@ -8144,6 +9792,610 @@
                                     <p:set>
                                       <p:cBhvr>
                                         <p:cTn id="6" dur="1" fill="hold">
+                                          <p:stCondLst>
+                                            <p:cond delay="0"/>
+                                          </p:stCondLst>
+                                        </p:cTn>
+                                        <p:tgtEl>
+                                          <p:spTgt spid="3">
+                                            <p:txEl>
+                                              <p:pRg st="0" end="0"/>
+                                            </p:txEl>
+                                          </p:spTgt>
+                                        </p:tgtEl>
+                                        <p:attrNameLst>
+                                          <p:attrName>style.visibility</p:attrName>
+                                        </p:attrNameLst>
+                                      </p:cBhvr>
+                                      <p:to>
+                                        <p:strVal val="visible"/>
+                                      </p:to>
+                                    </p:set>
+                                    <p:anim calcmode="lin" valueType="num">
+                                      <p:cBhvr additive="base">
+                                        <p:cTn id="7" dur="500" fill="hold"/>
+                                        <p:tgtEl>
+                                          <p:spTgt spid="3">
+                                            <p:txEl>
+                                              <p:pRg st="0" end="0"/>
+                                            </p:txEl>
+                                          </p:spTgt>
+                                        </p:tgtEl>
+                                        <p:attrNameLst>
+                                          <p:attrName>ppt_x</p:attrName>
+                                        </p:attrNameLst>
+                                      </p:cBhvr>
+                                      <p:tavLst>
+                                        <p:tav tm="0">
+                                          <p:val>
+                                            <p:strVal val="1+#ppt_w/2"/>
+                                          </p:val>
+                                        </p:tav>
+                                        <p:tav tm="100000">
+                                          <p:val>
+                                            <p:strVal val="#ppt_x"/>
+                                          </p:val>
+                                        </p:tav>
+                                      </p:tavLst>
+                                    </p:anim>
+                                    <p:anim calcmode="lin" valueType="num">
+                                      <p:cBhvr additive="base">
+                                        <p:cTn id="8" dur="500" fill="hold"/>
+                                        <p:tgtEl>
+                                          <p:spTgt spid="3">
+                                            <p:txEl>
+                                              <p:pRg st="0" end="0"/>
+                                            </p:txEl>
+                                          </p:spTgt>
+                                        </p:tgtEl>
+                                        <p:attrNameLst>
+                                          <p:attrName>ppt_y</p:attrName>
+                                        </p:attrNameLst>
+                                      </p:cBhvr>
+                                      <p:tavLst>
+                                        <p:tav tm="0">
+                                          <p:val>
+                                            <p:strVal val="#ppt_y"/>
+                                          </p:val>
+                                        </p:tav>
+                                        <p:tav tm="100000">
+                                          <p:val>
+                                            <p:strVal val="#ppt_y"/>
+                                          </p:val>
+                                        </p:tav>
+                                      </p:tavLst>
+                                    </p:anim>
+                                  </p:childTnLst>
+                                </p:cTn>
+                              </p:par>
+                              <p:par>
+                                <p:cTn id="9" presetID="2" presetClass="entr" presetSubtype="2" fill="hold" nodeType="withEffect">
+                                  <p:stCondLst>
+                                    <p:cond delay="0"/>
+                                  </p:stCondLst>
+                                  <p:childTnLst>
+                                    <p:set>
+                                      <p:cBhvr>
+                                        <p:cTn id="10" dur="1" fill="hold">
+                                          <p:stCondLst>
+                                            <p:cond delay="0"/>
+                                          </p:stCondLst>
+                                        </p:cTn>
+                                        <p:tgtEl>
+                                          <p:spTgt spid="3">
+                                            <p:txEl>
+                                              <p:pRg st="1" end="1"/>
+                                            </p:txEl>
+                                          </p:spTgt>
+                                        </p:tgtEl>
+                                        <p:attrNameLst>
+                                          <p:attrName>style.visibility</p:attrName>
+                                        </p:attrNameLst>
+                                      </p:cBhvr>
+                                      <p:to>
+                                        <p:strVal val="visible"/>
+                                      </p:to>
+                                    </p:set>
+                                    <p:anim calcmode="lin" valueType="num">
+                                      <p:cBhvr additive="base">
+                                        <p:cTn id="11" dur="500" fill="hold"/>
+                                        <p:tgtEl>
+                                          <p:spTgt spid="3">
+                                            <p:txEl>
+                                              <p:pRg st="1" end="1"/>
+                                            </p:txEl>
+                                          </p:spTgt>
+                                        </p:tgtEl>
+                                        <p:attrNameLst>
+                                          <p:attrName>ppt_x</p:attrName>
+                                        </p:attrNameLst>
+                                      </p:cBhvr>
+                                      <p:tavLst>
+                                        <p:tav tm="0">
+                                          <p:val>
+                                            <p:strVal val="1+#ppt_w/2"/>
+                                          </p:val>
+                                        </p:tav>
+                                        <p:tav tm="100000">
+                                          <p:val>
+                                            <p:strVal val="#ppt_x"/>
+                                          </p:val>
+                                        </p:tav>
+                                      </p:tavLst>
+                                    </p:anim>
+                                    <p:anim calcmode="lin" valueType="num">
+                                      <p:cBhvr additive="base">
+                                        <p:cTn id="12" dur="500" fill="hold"/>
+                                        <p:tgtEl>
+                                          <p:spTgt spid="3">
+                                            <p:txEl>
+                                              <p:pRg st="1" end="1"/>
+                                            </p:txEl>
+                                          </p:spTgt>
+                                        </p:tgtEl>
+                                        <p:attrNameLst>
+                                          <p:attrName>ppt_y</p:attrName>
+                                        </p:attrNameLst>
+                                      </p:cBhvr>
+                                      <p:tavLst>
+                                        <p:tav tm="0">
+                                          <p:val>
+                                            <p:strVal val="#ppt_y"/>
+                                          </p:val>
+                                        </p:tav>
+                                        <p:tav tm="100000">
+                                          <p:val>
+                                            <p:strVal val="#ppt_y"/>
+                                          </p:val>
+                                        </p:tav>
+                                      </p:tavLst>
+                                    </p:anim>
+                                  </p:childTnLst>
+                                </p:cTn>
+                              </p:par>
+                              <p:par>
+                                <p:cTn id="13" presetID="2" presetClass="entr" presetSubtype="2" fill="hold" nodeType="withEffect">
+                                  <p:stCondLst>
+                                    <p:cond delay="0"/>
+                                  </p:stCondLst>
+                                  <p:childTnLst>
+                                    <p:set>
+                                      <p:cBhvr>
+                                        <p:cTn id="14" dur="1" fill="hold">
+                                          <p:stCondLst>
+                                            <p:cond delay="0"/>
+                                          </p:stCondLst>
+                                        </p:cTn>
+                                        <p:tgtEl>
+                                          <p:spTgt spid="3">
+                                            <p:txEl>
+                                              <p:pRg st="2" end="2"/>
+                                            </p:txEl>
+                                          </p:spTgt>
+                                        </p:tgtEl>
+                                        <p:attrNameLst>
+                                          <p:attrName>style.visibility</p:attrName>
+                                        </p:attrNameLst>
+                                      </p:cBhvr>
+                                      <p:to>
+                                        <p:strVal val="visible"/>
+                                      </p:to>
+                                    </p:set>
+                                    <p:anim calcmode="lin" valueType="num">
+                                      <p:cBhvr additive="base">
+                                        <p:cTn id="15" dur="500" fill="hold"/>
+                                        <p:tgtEl>
+                                          <p:spTgt spid="3">
+                                            <p:txEl>
+                                              <p:pRg st="2" end="2"/>
+                                            </p:txEl>
+                                          </p:spTgt>
+                                        </p:tgtEl>
+                                        <p:attrNameLst>
+                                          <p:attrName>ppt_x</p:attrName>
+                                        </p:attrNameLst>
+                                      </p:cBhvr>
+                                      <p:tavLst>
+                                        <p:tav tm="0">
+                                          <p:val>
+                                            <p:strVal val="1+#ppt_w/2"/>
+                                          </p:val>
+                                        </p:tav>
+                                        <p:tav tm="100000">
+                                          <p:val>
+                                            <p:strVal val="#ppt_x"/>
+                                          </p:val>
+                                        </p:tav>
+                                      </p:tavLst>
+                                    </p:anim>
+                                    <p:anim calcmode="lin" valueType="num">
+                                      <p:cBhvr additive="base">
+                                        <p:cTn id="16" dur="500" fill="hold"/>
+                                        <p:tgtEl>
+                                          <p:spTgt spid="3">
+                                            <p:txEl>
+                                              <p:pRg st="2" end="2"/>
+                                            </p:txEl>
+                                          </p:spTgt>
+                                        </p:tgtEl>
+                                        <p:attrNameLst>
+                                          <p:attrName>ppt_y</p:attrName>
+                                        </p:attrNameLst>
+                                      </p:cBhvr>
+                                      <p:tavLst>
+                                        <p:tav tm="0">
+                                          <p:val>
+                                            <p:strVal val="#ppt_y"/>
+                                          </p:val>
+                                        </p:tav>
+                                        <p:tav tm="100000">
+                                          <p:val>
+                                            <p:strVal val="#ppt_y"/>
+                                          </p:val>
+                                        </p:tav>
+                                      </p:tavLst>
+                                    </p:anim>
+                                  </p:childTnLst>
+                                </p:cTn>
+                              </p:par>
+                              <p:par>
+                                <p:cTn id="17" presetID="2" presetClass="entr" presetSubtype="2" fill="hold" nodeType="withEffect">
+                                  <p:stCondLst>
+                                    <p:cond delay="0"/>
+                                  </p:stCondLst>
+                                  <p:childTnLst>
+                                    <p:set>
+                                      <p:cBhvr>
+                                        <p:cTn id="18" dur="1" fill="hold">
+                                          <p:stCondLst>
+                                            <p:cond delay="0"/>
+                                          </p:stCondLst>
+                                        </p:cTn>
+                                        <p:tgtEl>
+                                          <p:spTgt spid="3">
+                                            <p:txEl>
+                                              <p:pRg st="3" end="3"/>
+                                            </p:txEl>
+                                          </p:spTgt>
+                                        </p:tgtEl>
+                                        <p:attrNameLst>
+                                          <p:attrName>style.visibility</p:attrName>
+                                        </p:attrNameLst>
+                                      </p:cBhvr>
+                                      <p:to>
+                                        <p:strVal val="visible"/>
+                                      </p:to>
+                                    </p:set>
+                                    <p:anim calcmode="lin" valueType="num">
+                                      <p:cBhvr additive="base">
+                                        <p:cTn id="19" dur="500" fill="hold"/>
+                                        <p:tgtEl>
+                                          <p:spTgt spid="3">
+                                            <p:txEl>
+                                              <p:pRg st="3" end="3"/>
+                                            </p:txEl>
+                                          </p:spTgt>
+                                        </p:tgtEl>
+                                        <p:attrNameLst>
+                                          <p:attrName>ppt_x</p:attrName>
+                                        </p:attrNameLst>
+                                      </p:cBhvr>
+                                      <p:tavLst>
+                                        <p:tav tm="0">
+                                          <p:val>
+                                            <p:strVal val="1+#ppt_w/2"/>
+                                          </p:val>
+                                        </p:tav>
+                                        <p:tav tm="100000">
+                                          <p:val>
+                                            <p:strVal val="#ppt_x"/>
+                                          </p:val>
+                                        </p:tav>
+                                      </p:tavLst>
+                                    </p:anim>
+                                    <p:anim calcmode="lin" valueType="num">
+                                      <p:cBhvr additive="base">
+                                        <p:cTn id="20" dur="500" fill="hold"/>
+                                        <p:tgtEl>
+                                          <p:spTgt spid="3">
+                                            <p:txEl>
+                                              <p:pRg st="3" end="3"/>
+                                            </p:txEl>
+                                          </p:spTgt>
+                                        </p:tgtEl>
+                                        <p:attrNameLst>
+                                          <p:attrName>ppt_y</p:attrName>
+                                        </p:attrNameLst>
+                                      </p:cBhvr>
+                                      <p:tavLst>
+                                        <p:tav tm="0">
+                                          <p:val>
+                                            <p:strVal val="#ppt_y"/>
+                                          </p:val>
+                                        </p:tav>
+                                        <p:tav tm="100000">
+                                          <p:val>
+                                            <p:strVal val="#ppt_y"/>
+                                          </p:val>
+                                        </p:tav>
+                                      </p:tavLst>
+                                    </p:anim>
+                                  </p:childTnLst>
+                                </p:cTn>
+                              </p:par>
+                              <p:par>
+                                <p:cTn id="21" presetID="2" presetClass="entr" presetSubtype="2" fill="hold" nodeType="withEffect">
+                                  <p:stCondLst>
+                                    <p:cond delay="0"/>
+                                  </p:stCondLst>
+                                  <p:childTnLst>
+                                    <p:set>
+                                      <p:cBhvr>
+                                        <p:cTn id="22" dur="1" fill="hold">
+                                          <p:stCondLst>
+                                            <p:cond delay="0"/>
+                                          </p:stCondLst>
+                                        </p:cTn>
+                                        <p:tgtEl>
+                                          <p:spTgt spid="3">
+                                            <p:txEl>
+                                              <p:pRg st="4" end="4"/>
+                                            </p:txEl>
+                                          </p:spTgt>
+                                        </p:tgtEl>
+                                        <p:attrNameLst>
+                                          <p:attrName>style.visibility</p:attrName>
+                                        </p:attrNameLst>
+                                      </p:cBhvr>
+                                      <p:to>
+                                        <p:strVal val="visible"/>
+                                      </p:to>
+                                    </p:set>
+                                    <p:anim calcmode="lin" valueType="num">
+                                      <p:cBhvr additive="base">
+                                        <p:cTn id="23" dur="500" fill="hold"/>
+                                        <p:tgtEl>
+                                          <p:spTgt spid="3">
+                                            <p:txEl>
+                                              <p:pRg st="4" end="4"/>
+                                            </p:txEl>
+                                          </p:spTgt>
+                                        </p:tgtEl>
+                                        <p:attrNameLst>
+                                          <p:attrName>ppt_x</p:attrName>
+                                        </p:attrNameLst>
+                                      </p:cBhvr>
+                                      <p:tavLst>
+                                        <p:tav tm="0">
+                                          <p:val>
+                                            <p:strVal val="1+#ppt_w/2"/>
+                                          </p:val>
+                                        </p:tav>
+                                        <p:tav tm="100000">
+                                          <p:val>
+                                            <p:strVal val="#ppt_x"/>
+                                          </p:val>
+                                        </p:tav>
+                                      </p:tavLst>
+                                    </p:anim>
+                                    <p:anim calcmode="lin" valueType="num">
+                                      <p:cBhvr additive="base">
+                                        <p:cTn id="24" dur="500" fill="hold"/>
+                                        <p:tgtEl>
+                                          <p:spTgt spid="3">
+                                            <p:txEl>
+                                              <p:pRg st="4" end="4"/>
+                                            </p:txEl>
+                                          </p:spTgt>
+                                        </p:tgtEl>
+                                        <p:attrNameLst>
+                                          <p:attrName>ppt_y</p:attrName>
+                                        </p:attrNameLst>
+                                      </p:cBhvr>
+                                      <p:tavLst>
+                                        <p:tav tm="0">
+                                          <p:val>
+                                            <p:strVal val="#ppt_y"/>
+                                          </p:val>
+                                        </p:tav>
+                                        <p:tav tm="100000">
+                                          <p:val>
+                                            <p:strVal val="#ppt_y"/>
+                                          </p:val>
+                                        </p:tav>
+                                      </p:tavLst>
+                                    </p:anim>
+                                  </p:childTnLst>
+                                </p:cTn>
+                              </p:par>
+                              <p:par>
+                                <p:cTn id="25" presetID="2" presetClass="entr" presetSubtype="2" fill="hold" nodeType="withEffect">
+                                  <p:stCondLst>
+                                    <p:cond delay="0"/>
+                                  </p:stCondLst>
+                                  <p:childTnLst>
+                                    <p:set>
+                                      <p:cBhvr>
+                                        <p:cTn id="26" dur="1" fill="hold">
+                                          <p:stCondLst>
+                                            <p:cond delay="0"/>
+                                          </p:stCondLst>
+                                        </p:cTn>
+                                        <p:tgtEl>
+                                          <p:spTgt spid="3">
+                                            <p:txEl>
+                                              <p:pRg st="5" end="5"/>
+                                            </p:txEl>
+                                          </p:spTgt>
+                                        </p:tgtEl>
+                                        <p:attrNameLst>
+                                          <p:attrName>style.visibility</p:attrName>
+                                        </p:attrNameLst>
+                                      </p:cBhvr>
+                                      <p:to>
+                                        <p:strVal val="visible"/>
+                                      </p:to>
+                                    </p:set>
+                                    <p:anim calcmode="lin" valueType="num">
+                                      <p:cBhvr additive="base">
+                                        <p:cTn id="27" dur="500" fill="hold"/>
+                                        <p:tgtEl>
+                                          <p:spTgt spid="3">
+                                            <p:txEl>
+                                              <p:pRg st="5" end="5"/>
+                                            </p:txEl>
+                                          </p:spTgt>
+                                        </p:tgtEl>
+                                        <p:attrNameLst>
+                                          <p:attrName>ppt_x</p:attrName>
+                                        </p:attrNameLst>
+                                      </p:cBhvr>
+                                      <p:tavLst>
+                                        <p:tav tm="0">
+                                          <p:val>
+                                            <p:strVal val="1+#ppt_w/2"/>
+                                          </p:val>
+                                        </p:tav>
+                                        <p:tav tm="100000">
+                                          <p:val>
+                                            <p:strVal val="#ppt_x"/>
+                                          </p:val>
+                                        </p:tav>
+                                      </p:tavLst>
+                                    </p:anim>
+                                    <p:anim calcmode="lin" valueType="num">
+                                      <p:cBhvr additive="base">
+                                        <p:cTn id="28" dur="500" fill="hold"/>
+                                        <p:tgtEl>
+                                          <p:spTgt spid="3">
+                                            <p:txEl>
+                                              <p:pRg st="5" end="5"/>
+                                            </p:txEl>
+                                          </p:spTgt>
+                                        </p:tgtEl>
+                                        <p:attrNameLst>
+                                          <p:attrName>ppt_y</p:attrName>
+                                        </p:attrNameLst>
+                                      </p:cBhvr>
+                                      <p:tavLst>
+                                        <p:tav tm="0">
+                                          <p:val>
+                                            <p:strVal val="#ppt_y"/>
+                                          </p:val>
+                                        </p:tav>
+                                        <p:tav tm="100000">
+                                          <p:val>
+                                            <p:strVal val="#ppt_y"/>
+                                          </p:val>
+                                        </p:tav>
+                                      </p:tavLst>
+                                    </p:anim>
+                                  </p:childTnLst>
+                                </p:cTn>
+                              </p:par>
+                              <p:par>
+                                <p:cTn id="29" presetID="2" presetClass="entr" presetSubtype="2" fill="hold" nodeType="withEffect">
+                                  <p:stCondLst>
+                                    <p:cond delay="0"/>
+                                  </p:stCondLst>
+                                  <p:childTnLst>
+                                    <p:set>
+                                      <p:cBhvr>
+                                        <p:cTn id="30" dur="1" fill="hold">
+                                          <p:stCondLst>
+                                            <p:cond delay="0"/>
+                                          </p:stCondLst>
+                                        </p:cTn>
+                                        <p:tgtEl>
+                                          <p:spTgt spid="3">
+                                            <p:txEl>
+                                              <p:pRg st="6" end="6"/>
+                                            </p:txEl>
+                                          </p:spTgt>
+                                        </p:tgtEl>
+                                        <p:attrNameLst>
+                                          <p:attrName>style.visibility</p:attrName>
+                                        </p:attrNameLst>
+                                      </p:cBhvr>
+                                      <p:to>
+                                        <p:strVal val="visible"/>
+                                      </p:to>
+                                    </p:set>
+                                    <p:anim calcmode="lin" valueType="num">
+                                      <p:cBhvr additive="base">
+                                        <p:cTn id="31" dur="500" fill="hold"/>
+                                        <p:tgtEl>
+                                          <p:spTgt spid="3">
+                                            <p:txEl>
+                                              <p:pRg st="6" end="6"/>
+                                            </p:txEl>
+                                          </p:spTgt>
+                                        </p:tgtEl>
+                                        <p:attrNameLst>
+                                          <p:attrName>ppt_x</p:attrName>
+                                        </p:attrNameLst>
+                                      </p:cBhvr>
+                                      <p:tavLst>
+                                        <p:tav tm="0">
+                                          <p:val>
+                                            <p:strVal val="1+#ppt_w/2"/>
+                                          </p:val>
+                                        </p:tav>
+                                        <p:tav tm="100000">
+                                          <p:val>
+                                            <p:strVal val="#ppt_x"/>
+                                          </p:val>
+                                        </p:tav>
+                                      </p:tavLst>
+                                    </p:anim>
+                                    <p:anim calcmode="lin" valueType="num">
+                                      <p:cBhvr additive="base">
+                                        <p:cTn id="32" dur="500" fill="hold"/>
+                                        <p:tgtEl>
+                                          <p:spTgt spid="3">
+                                            <p:txEl>
+                                              <p:pRg st="6" end="6"/>
+                                            </p:txEl>
+                                          </p:spTgt>
+                                        </p:tgtEl>
+                                        <p:attrNameLst>
+                                          <p:attrName>ppt_y</p:attrName>
+                                        </p:attrNameLst>
+                                      </p:cBhvr>
+                                      <p:tavLst>
+                                        <p:tav tm="0">
+                                          <p:val>
+                                            <p:strVal val="#ppt_y"/>
+                                          </p:val>
+                                        </p:tav>
+                                        <p:tav tm="100000">
+                                          <p:val>
+                                            <p:strVal val="#ppt_y"/>
+                                          </p:val>
+                                        </p:tav>
+                                      </p:tavLst>
+                                    </p:anim>
+                                  </p:childTnLst>
+                                </p:cTn>
+                              </p:par>
+                            </p:childTnLst>
+                          </p:cTn>
+                        </p:par>
+                        <p:par>
+                          <p:cTn id="33" fill="hold">
+                            <p:stCondLst>
+                              <p:cond delay="500"/>
+                            </p:stCondLst>
+                            <p:childTnLst>
+                              <p:par>
+                                <p:cTn id="34" presetID="12" presetClass="entr" presetSubtype="4" fill="hold" nodeType="afterEffect">
+                                  <p:stCondLst>
+                                    <p:cond delay="0"/>
+                                  </p:stCondLst>
+                                  <p:childTnLst>
+                                    <p:set>
+                                      <p:cBhvr>
+                                        <p:cTn id="35" dur="1" fill="hold">
                                           <p:stCondLst>
                                             <p:cond delay="0"/>
                                           </p:stCondLst>
@@ -8161,7 +10413,7 @@
                                     </p:set>
                                     <p:animEffect transition="in" filter="slide(fromBottom)">
                                       <p:cBhvr>
-                                        <p:cTn id="7" dur="1000"/>
+                                        <p:cTn id="36" dur="1000"/>
                                         <p:tgtEl>
                                           <p:spTgt spid="1026"/>
                                         </p:tgtEl>
@@ -8174,20 +10426,20 @@
                           </p:cTn>
                         </p:par>
                         <p:par>
-                          <p:cTn id="8" fill="hold">
+                          <p:cTn id="37" fill="hold">
                             <p:stCondLst>
-                              <p:cond delay="1000"/>
+                              <p:cond delay="1500"/>
                             </p:stCondLst>
                             <p:childTnLst>
                               <p:par>
-                                <p:cTn id="9" presetID="12" presetClass="entr" presetSubtype="4" fill="hold" nodeType="afterEffect">
+                                <p:cTn id="38" presetID="12" presetClass="entr" presetSubtype="4" fill="hold" nodeType="afterEffect">
                                   <p:stCondLst>
                                     <p:cond delay="0"/>
                                   </p:stCondLst>
                                   <p:childTnLst>
                                     <p:set>
                                       <p:cBhvr>
-                                        <p:cTn id="10" dur="1" fill="hold">
+                                        <p:cTn id="39" dur="1" fill="hold">
                                           <p:stCondLst>
                                             <p:cond delay="0"/>
                                           </p:stCondLst>
@@ -8205,7 +10457,7 @@
                                     </p:set>
                                     <p:animEffect transition="in" filter="slide(fromBottom)">
                                       <p:cBhvr>
-                                        <p:cTn id="11" dur="1000"/>
+                                        <p:cTn id="40" dur="1000"/>
                                         <p:tgtEl>
                                           <p:spTgt spid="1027"/>
                                         </p:tgtEl>
@@ -8218,20 +10470,20 @@
                           </p:cTn>
                         </p:par>
                         <p:par>
-                          <p:cTn id="12" fill="hold">
+                          <p:cTn id="41" fill="hold">
                             <p:stCondLst>
-                              <p:cond delay="2000"/>
+                              <p:cond delay="2500"/>
                             </p:stCondLst>
                             <p:childTnLst>
                               <p:par>
-                                <p:cTn id="13" presetID="12" presetClass="entr" presetSubtype="4" fill="hold" nodeType="afterEffect">
+                                <p:cTn id="42" presetID="12" presetClass="entr" presetSubtype="4" fill="hold" nodeType="afterEffect">
                                   <p:stCondLst>
                                     <p:cond delay="0"/>
                                   </p:stCondLst>
                                   <p:childTnLst>
                                     <p:set>
                                       <p:cBhvr>
-                                        <p:cTn id="14" dur="1" fill="hold">
+                                        <p:cTn id="43" dur="1" fill="hold">
                                           <p:stCondLst>
                                             <p:cond delay="0"/>
                                           </p:stCondLst>
@@ -8249,7 +10501,7 @@
                                     </p:set>
                                     <p:animEffect transition="in" filter="slide(fromBottom)">
                                       <p:cBhvr>
-                                        <p:cTn id="15" dur="1000"/>
+                                        <p:cTn id="44" dur="1000"/>
                                         <p:tgtEl>
                                           <p:spTgt spid="1028"/>
                                         </p:tgtEl>
@@ -8261,21 +10513,124 @@
                             </p:childTnLst>
                           </p:cTn>
                         </p:par>
+                      </p:childTnLst>
+                    </p:cTn>
+                  </p:par>
+                  <p:par>
+                    <p:cTn id="45" fill="hold">
+                      <p:stCondLst>
+                        <p:cond delay="indefinite"/>
+                      </p:stCondLst>
+                      <p:childTnLst>
                         <p:par>
-                          <p:cTn id="16" fill="hold">
+                          <p:cTn id="46" fill="hold">
                             <p:stCondLst>
-                              <p:cond delay="3000"/>
+                              <p:cond delay="0"/>
                             </p:stCondLst>
                             <p:childTnLst>
                               <p:par>
-                                <p:cTn id="17" presetID="12" presetClass="entr" presetSubtype="4" fill="hold" nodeType="afterEffect">
+                                <p:cTn id="47" presetID="2" presetClass="entr" presetSubtype="2" fill="hold" nodeType="clickEffect">
                                   <p:stCondLst>
                                     <p:cond delay="0"/>
                                   </p:stCondLst>
                                   <p:childTnLst>
                                     <p:set>
                                       <p:cBhvr>
-                                        <p:cTn id="18" dur="1" fill="hold">
+                                        <p:cTn id="48" dur="1" fill="hold">
+                                          <p:stCondLst>
+                                            <p:cond delay="0"/>
+                                          </p:stCondLst>
+                                        </p:cTn>
+                                        <p:tgtEl>
+                                          <p:spTgt spid="3">
+                                            <p:txEl>
+                                              <p:pRg st="10" end="10"/>
+                                            </p:txEl>
+                                          </p:spTgt>
+                                        </p:tgtEl>
+                                        <p:attrNameLst>
+                                          <p:attrName>style.visibility</p:attrName>
+                                        </p:attrNameLst>
+                                      </p:cBhvr>
+                                      <p:to>
+                                        <p:strVal val="visible"/>
+                                      </p:to>
+                                    </p:set>
+                                    <p:anim calcmode="lin" valueType="num">
+                                      <p:cBhvr additive="base">
+                                        <p:cTn id="49" dur="500" fill="hold"/>
+                                        <p:tgtEl>
+                                          <p:spTgt spid="3">
+                                            <p:txEl>
+                                              <p:pRg st="10" end="10"/>
+                                            </p:txEl>
+                                          </p:spTgt>
+                                        </p:tgtEl>
+                                        <p:attrNameLst>
+                                          <p:attrName>ppt_x</p:attrName>
+                                        </p:attrNameLst>
+                                      </p:cBhvr>
+                                      <p:tavLst>
+                                        <p:tav tm="0">
+                                          <p:val>
+                                            <p:strVal val="1+#ppt_w/2"/>
+                                          </p:val>
+                                        </p:tav>
+                                        <p:tav tm="100000">
+                                          <p:val>
+                                            <p:strVal val="#ppt_x"/>
+                                          </p:val>
+                                        </p:tav>
+                                      </p:tavLst>
+                                    </p:anim>
+                                    <p:anim calcmode="lin" valueType="num">
+                                      <p:cBhvr additive="base">
+                                        <p:cTn id="50" dur="500" fill="hold"/>
+                                        <p:tgtEl>
+                                          <p:spTgt spid="3">
+                                            <p:txEl>
+                                              <p:pRg st="10" end="10"/>
+                                            </p:txEl>
+                                          </p:spTgt>
+                                        </p:tgtEl>
+                                        <p:attrNameLst>
+                                          <p:attrName>ppt_y</p:attrName>
+                                        </p:attrNameLst>
+                                      </p:cBhvr>
+                                      <p:tavLst>
+                                        <p:tav tm="0">
+                                          <p:val>
+                                            <p:strVal val="#ppt_y"/>
+                                          </p:val>
+                                        </p:tav>
+                                        <p:tav tm="100000">
+                                          <p:val>
+                                            <p:strVal val="#ppt_y"/>
+                                          </p:val>
+                                        </p:tav>
+                                      </p:tavLst>
+                                    </p:anim>
+                                  </p:childTnLst>
+                                </p:cTn>
+                              </p:par>
+                            </p:childTnLst>
+                          </p:cTn>
+                        </p:par>
+                        <p:par>
+                          <p:cTn id="51" fill="hold">
+                            <p:stCondLst>
+                              <p:cond delay="500"/>
+                            </p:stCondLst>
+                            <p:childTnLst>
+                              <p:par>
+                                <p:cTn id="52" presetID="12" presetClass="entr" presetSubtype="4" fill="hold" nodeType="afterEffect">
+                                  <p:stCondLst>
+                                    <p:cond delay="0"/>
+                                  </p:stCondLst>
+                                  <p:childTnLst>
+                                    <p:set>
+                                      <p:cBhvr>
+                                        <p:cTn id="53" dur="1" fill="hold">
                                           <p:stCondLst>
                                             <p:cond delay="0"/>
                                           </p:stCondLst>
@@ -8293,7 +10648,7 @@
                                     </p:set>
                                     <p:animEffect transition="in" filter="slide(fromBottom)">
                                       <p:cBhvr>
-                                        <p:cTn id="19" dur="1000"/>
+                                        <p:cTn id="54" dur="1000"/>
                                         <p:tgtEl>
                                           <p:spTgt spid="1029"/>
                                         </p:tgtEl>
@@ -8452,15 +10807,7 @@
             </a:pPr>
             <a:r>
               <a:rPr lang="it-IT" sz="2400" dirty="0" smtClean="0"/>
-              <a:t>Assenza di conoscenza globale </a:t>
-            </a:r>
-            <a:r>
-              <a:rPr lang="it-IT" sz="2400" dirty="0" smtClean="0"/>
-              <a:t>della </a:t>
-            </a:r>
-            <a:r>
-              <a:rPr lang="it-IT" sz="2400" dirty="0" smtClean="0"/>
-              <a:t>rete</a:t>
+              <a:t>Assenza di conoscenza globale della rete</a:t>
             </a:r>
           </a:p>
           <a:p>
@@ -8470,13 +10817,8 @@
             </a:pPr>
             <a:r>
               <a:rPr lang="it-IT" sz="2400" dirty="0" smtClean="0"/>
-              <a:t>Assenza controlli </a:t>
-            </a:r>
-            <a:r>
-              <a:rPr lang="it-IT" sz="2400" dirty="0" smtClean="0"/>
-              <a:t>centralizzati e di autenticazione</a:t>
-            </a:r>
-            <a:endParaRPr lang="it-IT" sz="2400" dirty="0" smtClean="0"/>
+              <a:t>Assenza controlli centralizzati e di autenticazione</a:t>
+            </a:r>
           </a:p>
           <a:p>
             <a:pPr>
@@ -8492,11 +10834,7 @@
             </a:br>
             <a:r>
               <a:rPr lang="it-IT" sz="2400" dirty="0" smtClean="0"/>
-              <a:t>visione </a:t>
-            </a:r>
-            <a:r>
-              <a:rPr lang="it-IT" sz="2400" dirty="0" smtClean="0"/>
-              <a:t>locale della rete</a:t>
+              <a:t>visione locale della rete</a:t>
             </a:r>
           </a:p>
           <a:p>
@@ -8515,7 +10853,6 @@
               <a:rPr lang="it-IT" sz="2400" dirty="0" smtClean="0"/>
               <a:t>comunicazioni Peer-to-Peer</a:t>
             </a:r>
-            <a:endParaRPr lang="it-IT" sz="2400" dirty="0" smtClean="0"/>
           </a:p>
         </p:txBody>
       </p:sp>
@@ -8664,11 +11001,7 @@
             </a:pPr>
             <a:r>
               <a:rPr lang="it-IT" sz="2400" dirty="0" smtClean="0"/>
-              <a:t>R</a:t>
-            </a:r>
-            <a:r>
-              <a:rPr lang="it-IT" sz="2400" dirty="0" smtClean="0"/>
-              <a:t>egole per la diffusione delle informazioni: </a:t>
+              <a:t>Regole per la diffusione delle informazioni: </a:t>
             </a:r>
             <a:r>
               <a:rPr lang="it-IT" sz="2400" b="1" i="1" dirty="0" smtClean="0">
@@ -8686,11 +11019,7 @@
             </a:pPr>
             <a:r>
               <a:rPr lang="it-IT" sz="2400" dirty="0" smtClean="0"/>
-              <a:t>Deve tenere conto del </a:t>
-            </a:r>
-            <a:r>
-              <a:rPr lang="it-IT" sz="2400" dirty="0" smtClean="0"/>
-              <a:t>consumo energetico</a:t>
+              <a:t>Deve tenere conto del consumo energetico</a:t>
             </a:r>
           </a:p>
           <a:p>
@@ -8745,6 +11074,141 @@
           <a:noFill/>
         </p:spPr>
       </p:pic>
+      <p:sp>
+        <p:nvSpPr>
+          <p:cNvPr id="6" name="Fumetto 2 5"/>
+          <p:cNvSpPr/>
+          <p:nvPr/>
+        </p:nvSpPr>
+        <p:spPr>
+          <a:xfrm>
+            <a:off x="740058" y="3380511"/>
+            <a:ext cx="7267863" cy="2673932"/>
+          </a:xfrm>
+          <a:prstGeom prst="wedgeRoundRectCallout">
+            <a:avLst>
+              <a:gd name="adj1" fmla="val 35062"/>
+              <a:gd name="adj2" fmla="val -67111"/>
+              <a:gd name="adj3" fmla="val 16667"/>
+            </a:avLst>
+          </a:prstGeom>
+        </p:spPr>
+        <p:style>
+          <a:lnRef idx="2">
+            <a:schemeClr val="accent1"/>
+          </a:lnRef>
+          <a:fillRef idx="1">
+            <a:schemeClr val="lt1"/>
+          </a:fillRef>
+          <a:effectRef idx="0">
+            <a:schemeClr val="accent1"/>
+          </a:effectRef>
+          <a:fontRef idx="minor">
+            <a:schemeClr val="dk1"/>
+          </a:fontRef>
+        </p:style>
+        <p:txBody>
+          <a:bodyPr rtlCol="0" anchor="t" anchorCtr="0"/>
+          <a:lstStyle/>
+          <a:p>
+            <a:pPr marL="360363" indent="-360363">
+              <a:buFont typeface="Wingdings" pitchFamily="2" charset="2"/>
+              <a:buChar char="§"/>
+            </a:pPr>
+            <a:r>
+              <a:rPr lang="it-IT" sz="2000" dirty="0" smtClean="0">
+                <a:solidFill>
+                  <a:schemeClr val="tx2"/>
+                </a:solidFill>
+              </a:rPr>
+              <a:t>Paradigma di diffusione informazioni</a:t>
+            </a:r>
+          </a:p>
+          <a:p>
+            <a:pPr marL="360363" indent="-360363">
+              <a:buFont typeface="Wingdings" pitchFamily="2" charset="2"/>
+              <a:buChar char="§"/>
+            </a:pPr>
+            <a:r>
+              <a:rPr lang="it-IT" sz="2000" dirty="0" smtClean="0">
+                <a:solidFill>
+                  <a:schemeClr val="tx2"/>
+                </a:solidFill>
+              </a:rPr>
+              <a:t>Scopo: diffondere informazioni, senza saturare i canali di comunicazione</a:t>
+            </a:r>
+          </a:p>
+          <a:p>
+            <a:pPr marL="360363" indent="-360363">
+              <a:buFont typeface="Wingdings" pitchFamily="2" charset="2"/>
+              <a:buChar char="§"/>
+            </a:pPr>
+            <a:r>
+              <a:rPr lang="it-IT" sz="2000" dirty="0" smtClean="0">
+                <a:solidFill>
+                  <a:schemeClr val="tx2"/>
+                </a:solidFill>
+              </a:rPr>
+              <a:t>Diverse applicazioni:</a:t>
+            </a:r>
+          </a:p>
+          <a:p>
+            <a:pPr marL="817563" lvl="1" indent="-360363">
+              <a:buFont typeface="Courier New" pitchFamily="49" charset="0"/>
+              <a:buChar char="o"/>
+            </a:pPr>
+            <a:r>
+              <a:rPr lang="it-IT" sz="2000" dirty="0" smtClean="0">
+                <a:solidFill>
+                  <a:schemeClr val="tx2"/>
+                </a:solidFill>
+              </a:rPr>
+              <a:t>Mantenimento dei dati in sistemi replicati o distribuiti</a:t>
+            </a:r>
+          </a:p>
+          <a:p>
+            <a:pPr marL="817563" lvl="1" indent="-360363">
+              <a:buFont typeface="Courier New" pitchFamily="49" charset="0"/>
+              <a:buChar char="o"/>
+            </a:pPr>
+            <a:r>
+              <a:rPr lang="it-IT" sz="2000" dirty="0" smtClean="0">
+                <a:solidFill>
+                  <a:schemeClr val="tx2"/>
+                </a:solidFill>
+              </a:rPr>
+              <a:t>Diffusione di aggiornamenti</a:t>
+            </a:r>
+          </a:p>
+          <a:p>
+            <a:pPr marL="817563" lvl="1" indent="-360363">
+              <a:buFont typeface="Courier New" pitchFamily="49" charset="0"/>
+              <a:buChar char="o"/>
+            </a:pPr>
+            <a:r>
+              <a:rPr lang="it-IT" sz="2000" dirty="0" smtClean="0">
+                <a:solidFill>
+                  <a:schemeClr val="tx2"/>
+                </a:solidFill>
+              </a:rPr>
+              <a:t>Mantenimento di un </a:t>
+            </a:r>
+            <a:r>
+              <a:rPr lang="it-IT" sz="2000" dirty="0" err="1" smtClean="0">
+                <a:solidFill>
+                  <a:schemeClr val="tx2"/>
+                </a:solidFill>
+              </a:rPr>
+              <a:t>overlay</a:t>
+            </a:r>
+            <a:endParaRPr lang="it-IT" sz="2000" dirty="0" smtClean="0">
+              <a:solidFill>
+                <a:schemeClr val="tx2"/>
+              </a:solidFill>
+            </a:endParaRPr>
+          </a:p>
+        </p:txBody>
+      </p:sp>
     </p:spTree>
   </p:cSld>
   <p:clrMapOvr>
@@ -8753,9 +11217,715 @@
   <p:timing>
     <p:tnLst>
       <p:par>
-        <p:cTn id="1" dur="indefinite" restart="never" nodeType="tmRoot"/>
+        <p:cTn id="1" dur="indefinite" restart="never" nodeType="tmRoot">
+          <p:childTnLst>
+            <p:seq concurrent="1" nextAc="seek">
+              <p:cTn id="2" dur="indefinite" nodeType="mainSeq">
+                <p:childTnLst>
+                  <p:par>
+                    <p:cTn id="3" fill="hold">
+                      <p:stCondLst>
+                        <p:cond delay="indefinite"/>
+                      </p:stCondLst>
+                      <p:childTnLst>
+                        <p:par>
+                          <p:cTn id="4" fill="hold">
+                            <p:stCondLst>
+                              <p:cond delay="0"/>
+                            </p:stCondLst>
+                            <p:childTnLst>
+                              <p:par>
+                                <p:cTn id="5" presetID="2" presetClass="entr" presetSubtype="2" fill="hold" nodeType="clickEffect">
+                                  <p:stCondLst>
+                                    <p:cond delay="0"/>
+                                  </p:stCondLst>
+                                  <p:childTnLst>
+                                    <p:set>
+                                      <p:cBhvr>
+                                        <p:cTn id="6" dur="1" fill="hold">
+                                          <p:stCondLst>
+                                            <p:cond delay="0"/>
+                                          </p:stCondLst>
+                                        </p:cTn>
+                                        <p:tgtEl>
+                                          <p:spTgt spid="3">
+                                            <p:txEl>
+                                              <p:pRg st="1" end="1"/>
+                                            </p:txEl>
+                                          </p:spTgt>
+                                        </p:tgtEl>
+                                        <p:attrNameLst>
+                                          <p:attrName>style.visibility</p:attrName>
+                                        </p:attrNameLst>
+                                      </p:cBhvr>
+                                      <p:to>
+                                        <p:strVal val="visible"/>
+                                      </p:to>
+                                    </p:set>
+                                    <p:anim calcmode="lin" valueType="num">
+                                      <p:cBhvr additive="base">
+                                        <p:cTn id="7" dur="500" fill="hold"/>
+                                        <p:tgtEl>
+                                          <p:spTgt spid="3">
+                                            <p:txEl>
+                                              <p:pRg st="1" end="1"/>
+                                            </p:txEl>
+                                          </p:spTgt>
+                                        </p:tgtEl>
+                                        <p:attrNameLst>
+                                          <p:attrName>ppt_x</p:attrName>
+                                        </p:attrNameLst>
+                                      </p:cBhvr>
+                                      <p:tavLst>
+                                        <p:tav tm="0">
+                                          <p:val>
+                                            <p:strVal val="1+#ppt_w/2"/>
+                                          </p:val>
+                                        </p:tav>
+                                        <p:tav tm="100000">
+                                          <p:val>
+                                            <p:strVal val="#ppt_x"/>
+                                          </p:val>
+                                        </p:tav>
+                                      </p:tavLst>
+                                    </p:anim>
+                                    <p:anim calcmode="lin" valueType="num">
+                                      <p:cBhvr additive="base">
+                                        <p:cTn id="8" dur="500" fill="hold"/>
+                                        <p:tgtEl>
+                                          <p:spTgt spid="3">
+                                            <p:txEl>
+                                              <p:pRg st="1" end="1"/>
+                                            </p:txEl>
+                                          </p:spTgt>
+                                        </p:tgtEl>
+                                        <p:attrNameLst>
+                                          <p:attrName>ppt_y</p:attrName>
+                                        </p:attrNameLst>
+                                      </p:cBhvr>
+                                      <p:tavLst>
+                                        <p:tav tm="0">
+                                          <p:val>
+                                            <p:strVal val="#ppt_y"/>
+                                          </p:val>
+                                        </p:tav>
+                                        <p:tav tm="100000">
+                                          <p:val>
+                                            <p:strVal val="#ppt_y"/>
+                                          </p:val>
+                                        </p:tav>
+                                      </p:tavLst>
+                                    </p:anim>
+                                  </p:childTnLst>
+                                </p:cTn>
+                              </p:par>
+                            </p:childTnLst>
+                          </p:cTn>
+                        </p:par>
+                      </p:childTnLst>
+                    </p:cTn>
+                  </p:par>
+                  <p:par>
+                    <p:cTn id="9" fill="hold">
+                      <p:stCondLst>
+                        <p:cond delay="indefinite"/>
+                      </p:stCondLst>
+                      <p:childTnLst>
+                        <p:par>
+                          <p:cTn id="10" fill="hold">
+                            <p:stCondLst>
+                              <p:cond delay="0"/>
+                            </p:stCondLst>
+                            <p:childTnLst>
+                              <p:par>
+                                <p:cTn id="11" presetID="2" presetClass="entr" presetSubtype="2" fill="hold" nodeType="clickEffect">
+                                  <p:stCondLst>
+                                    <p:cond delay="0"/>
+                                  </p:stCondLst>
+                                  <p:childTnLst>
+                                    <p:set>
+                                      <p:cBhvr>
+                                        <p:cTn id="12" dur="1" fill="hold">
+                                          <p:stCondLst>
+                                            <p:cond delay="0"/>
+                                          </p:stCondLst>
+                                        </p:cTn>
+                                        <p:tgtEl>
+                                          <p:spTgt spid="3">
+                                            <p:txEl>
+                                              <p:pRg st="2" end="2"/>
+                                            </p:txEl>
+                                          </p:spTgt>
+                                        </p:tgtEl>
+                                        <p:attrNameLst>
+                                          <p:attrName>style.visibility</p:attrName>
+                                        </p:attrNameLst>
+                                      </p:cBhvr>
+                                      <p:to>
+                                        <p:strVal val="visible"/>
+                                      </p:to>
+                                    </p:set>
+                                    <p:anim calcmode="lin" valueType="num">
+                                      <p:cBhvr additive="base">
+                                        <p:cTn id="13" dur="500" fill="hold"/>
+                                        <p:tgtEl>
+                                          <p:spTgt spid="3">
+                                            <p:txEl>
+                                              <p:pRg st="2" end="2"/>
+                                            </p:txEl>
+                                          </p:spTgt>
+                                        </p:tgtEl>
+                                        <p:attrNameLst>
+                                          <p:attrName>ppt_x</p:attrName>
+                                        </p:attrNameLst>
+                                      </p:cBhvr>
+                                      <p:tavLst>
+                                        <p:tav tm="0">
+                                          <p:val>
+                                            <p:strVal val="1+#ppt_w/2"/>
+                                          </p:val>
+                                        </p:tav>
+                                        <p:tav tm="100000">
+                                          <p:val>
+                                            <p:strVal val="#ppt_x"/>
+                                          </p:val>
+                                        </p:tav>
+                                      </p:tavLst>
+                                    </p:anim>
+                                    <p:anim calcmode="lin" valueType="num">
+                                      <p:cBhvr additive="base">
+                                        <p:cTn id="14" dur="500" fill="hold"/>
+                                        <p:tgtEl>
+                                          <p:spTgt spid="3">
+                                            <p:txEl>
+                                              <p:pRg st="2" end="2"/>
+                                            </p:txEl>
+                                          </p:spTgt>
+                                        </p:tgtEl>
+                                        <p:attrNameLst>
+                                          <p:attrName>ppt_y</p:attrName>
+                                        </p:attrNameLst>
+                                      </p:cBhvr>
+                                      <p:tavLst>
+                                        <p:tav tm="0">
+                                          <p:val>
+                                            <p:strVal val="#ppt_y"/>
+                                          </p:val>
+                                        </p:tav>
+                                        <p:tav tm="100000">
+                                          <p:val>
+                                            <p:strVal val="#ppt_y"/>
+                                          </p:val>
+                                        </p:tav>
+                                      </p:tavLst>
+                                    </p:anim>
+                                  </p:childTnLst>
+                                </p:cTn>
+                              </p:par>
+                            </p:childTnLst>
+                          </p:cTn>
+                        </p:par>
+                      </p:childTnLst>
+                    </p:cTn>
+                  </p:par>
+                  <p:par>
+                    <p:cTn id="15" fill="hold">
+                      <p:stCondLst>
+                        <p:cond delay="indefinite"/>
+                      </p:stCondLst>
+                      <p:childTnLst>
+                        <p:par>
+                          <p:cTn id="16" fill="hold">
+                            <p:stCondLst>
+                              <p:cond delay="0"/>
+                            </p:stCondLst>
+                            <p:childTnLst>
+                              <p:par>
+                                <p:cTn id="17" presetID="2" presetClass="entr" presetSubtype="2" fill="hold" nodeType="clickEffect">
+                                  <p:stCondLst>
+                                    <p:cond delay="0"/>
+                                  </p:stCondLst>
+                                  <p:childTnLst>
+                                    <p:set>
+                                      <p:cBhvr>
+                                        <p:cTn id="18" dur="1" fill="hold">
+                                          <p:stCondLst>
+                                            <p:cond delay="0"/>
+                                          </p:stCondLst>
+                                        </p:cTn>
+                                        <p:tgtEl>
+                                          <p:spTgt spid="3">
+                                            <p:txEl>
+                                              <p:pRg st="3" end="3"/>
+                                            </p:txEl>
+                                          </p:spTgt>
+                                        </p:tgtEl>
+                                        <p:attrNameLst>
+                                          <p:attrName>style.visibility</p:attrName>
+                                        </p:attrNameLst>
+                                      </p:cBhvr>
+                                      <p:to>
+                                        <p:strVal val="visible"/>
+                                      </p:to>
+                                    </p:set>
+                                    <p:anim calcmode="lin" valueType="num">
+                                      <p:cBhvr additive="base">
+                                        <p:cTn id="19" dur="500" fill="hold"/>
+                                        <p:tgtEl>
+                                          <p:spTgt spid="3">
+                                            <p:txEl>
+                                              <p:pRg st="3" end="3"/>
+                                            </p:txEl>
+                                          </p:spTgt>
+                                        </p:tgtEl>
+                                        <p:attrNameLst>
+                                          <p:attrName>ppt_x</p:attrName>
+                                        </p:attrNameLst>
+                                      </p:cBhvr>
+                                      <p:tavLst>
+                                        <p:tav tm="0">
+                                          <p:val>
+                                            <p:strVal val="1+#ppt_w/2"/>
+                                          </p:val>
+                                        </p:tav>
+                                        <p:tav tm="100000">
+                                          <p:val>
+                                            <p:strVal val="#ppt_x"/>
+                                          </p:val>
+                                        </p:tav>
+                                      </p:tavLst>
+                                    </p:anim>
+                                    <p:anim calcmode="lin" valueType="num">
+                                      <p:cBhvr additive="base">
+                                        <p:cTn id="20" dur="500" fill="hold"/>
+                                        <p:tgtEl>
+                                          <p:spTgt spid="3">
+                                            <p:txEl>
+                                              <p:pRg st="3" end="3"/>
+                                            </p:txEl>
+                                          </p:spTgt>
+                                        </p:tgtEl>
+                                        <p:attrNameLst>
+                                          <p:attrName>ppt_y</p:attrName>
+                                        </p:attrNameLst>
+                                      </p:cBhvr>
+                                      <p:tavLst>
+                                        <p:tav tm="0">
+                                          <p:val>
+                                            <p:strVal val="#ppt_y"/>
+                                          </p:val>
+                                        </p:tav>
+                                        <p:tav tm="100000">
+                                          <p:val>
+                                            <p:strVal val="#ppt_y"/>
+                                          </p:val>
+                                        </p:tav>
+                                      </p:tavLst>
+                                    </p:anim>
+                                  </p:childTnLst>
+                                </p:cTn>
+                              </p:par>
+                            </p:childTnLst>
+                          </p:cTn>
+                        </p:par>
+                        <p:par>
+                          <p:cTn id="21" fill="hold">
+                            <p:stCondLst>
+                              <p:cond delay="500"/>
+                            </p:stCondLst>
+                            <p:childTnLst>
+                              <p:par>
+                                <p:cTn id="22" presetID="2" presetClass="entr" presetSubtype="4" fill="hold" grpId="0" nodeType="afterEffect">
+                                  <p:stCondLst>
+                                    <p:cond delay="0"/>
+                                  </p:stCondLst>
+                                  <p:childTnLst>
+                                    <p:set>
+                                      <p:cBhvr>
+                                        <p:cTn id="23" dur="1" fill="hold">
+                                          <p:stCondLst>
+                                            <p:cond delay="0"/>
+                                          </p:stCondLst>
+                                        </p:cTn>
+                                        <p:tgtEl>
+                                          <p:spTgt spid="6"/>
+                                        </p:tgtEl>
+                                        <p:attrNameLst>
+                                          <p:attrName>style.visibility</p:attrName>
+                                        </p:attrNameLst>
+                                      </p:cBhvr>
+                                      <p:to>
+                                        <p:strVal val="visible"/>
+                                      </p:to>
+                                    </p:set>
+                                    <p:anim calcmode="lin" valueType="num">
+                                      <p:cBhvr additive="base">
+                                        <p:cTn id="24" dur="500" fill="hold"/>
+                                        <p:tgtEl>
+                                          <p:spTgt spid="6"/>
+                                        </p:tgtEl>
+                                        <p:attrNameLst>
+                                          <p:attrName>ppt_x</p:attrName>
+                                        </p:attrNameLst>
+                                      </p:cBhvr>
+                                      <p:tavLst>
+                                        <p:tav tm="0">
+                                          <p:val>
+                                            <p:strVal val="#ppt_x"/>
+                                          </p:val>
+                                        </p:tav>
+                                        <p:tav tm="100000">
+                                          <p:val>
+                                            <p:strVal val="#ppt_x"/>
+                                          </p:val>
+                                        </p:tav>
+                                      </p:tavLst>
+                                    </p:anim>
+                                    <p:anim calcmode="lin" valueType="num">
+                                      <p:cBhvr additive="base">
+                                        <p:cTn id="25" dur="500" fill="hold"/>
+                                        <p:tgtEl>
+                                          <p:spTgt spid="6"/>
+                                        </p:tgtEl>
+                                        <p:attrNameLst>
+                                          <p:attrName>ppt_y</p:attrName>
+                                        </p:attrNameLst>
+                                      </p:cBhvr>
+                                      <p:tavLst>
+                                        <p:tav tm="0">
+                                          <p:val>
+                                            <p:strVal val="1+#ppt_h/2"/>
+                                          </p:val>
+                                        </p:tav>
+                                        <p:tav tm="100000">
+                                          <p:val>
+                                            <p:strVal val="#ppt_y"/>
+                                          </p:val>
+                                        </p:tav>
+                                      </p:tavLst>
+                                    </p:anim>
+                                  </p:childTnLst>
+                                </p:cTn>
+                              </p:par>
+                            </p:childTnLst>
+                          </p:cTn>
+                        </p:par>
+                      </p:childTnLst>
+                    </p:cTn>
+                  </p:par>
+                  <p:par>
+                    <p:cTn id="26" fill="hold">
+                      <p:stCondLst>
+                        <p:cond delay="indefinite"/>
+                      </p:stCondLst>
+                      <p:childTnLst>
+                        <p:par>
+                          <p:cTn id="27" fill="hold">
+                            <p:stCondLst>
+                              <p:cond delay="0"/>
+                            </p:stCondLst>
+                            <p:childTnLst>
+                              <p:par>
+                                <p:cTn id="28" presetID="2" presetClass="exit" presetSubtype="4" fill="hold" grpId="1" nodeType="clickEffect">
+                                  <p:stCondLst>
+                                    <p:cond delay="0"/>
+                                  </p:stCondLst>
+                                  <p:childTnLst>
+                                    <p:anim calcmode="lin" valueType="num">
+                                      <p:cBhvr additive="base">
+                                        <p:cTn id="29" dur="500"/>
+                                        <p:tgtEl>
+                                          <p:spTgt spid="6"/>
+                                        </p:tgtEl>
+                                        <p:attrNameLst>
+                                          <p:attrName>ppt_x</p:attrName>
+                                        </p:attrNameLst>
+                                      </p:cBhvr>
+                                      <p:tavLst>
+                                        <p:tav tm="0">
+                                          <p:val>
+                                            <p:strVal val="ppt_x"/>
+                                          </p:val>
+                                        </p:tav>
+                                        <p:tav tm="100000">
+                                          <p:val>
+                                            <p:strVal val="ppt_x"/>
+                                          </p:val>
+                                        </p:tav>
+                                      </p:tavLst>
+                                    </p:anim>
+                                    <p:anim calcmode="lin" valueType="num">
+                                      <p:cBhvr additive="base">
+                                        <p:cTn id="30" dur="500"/>
+                                        <p:tgtEl>
+                                          <p:spTgt spid="6"/>
+                                        </p:tgtEl>
+                                        <p:attrNameLst>
+                                          <p:attrName>ppt_y</p:attrName>
+                                        </p:attrNameLst>
+                                      </p:cBhvr>
+                                      <p:tavLst>
+                                        <p:tav tm="0">
+                                          <p:val>
+                                            <p:strVal val="ppt_y"/>
+                                          </p:val>
+                                        </p:tav>
+                                        <p:tav tm="100000">
+                                          <p:val>
+                                            <p:strVal val="1+ppt_h/2"/>
+                                          </p:val>
+                                        </p:tav>
+                                      </p:tavLst>
+                                    </p:anim>
+                                    <p:set>
+                                      <p:cBhvr>
+                                        <p:cTn id="31" dur="1" fill="hold">
+                                          <p:stCondLst>
+                                            <p:cond delay="499"/>
+                                          </p:stCondLst>
+                                        </p:cTn>
+                                        <p:tgtEl>
+                                          <p:spTgt spid="6"/>
+                                        </p:tgtEl>
+                                        <p:attrNameLst>
+                                          <p:attrName>style.visibility</p:attrName>
+                                        </p:attrNameLst>
+                                      </p:cBhvr>
+                                      <p:to>
+                                        <p:strVal val="hidden"/>
+                                      </p:to>
+                                    </p:set>
+                                  </p:childTnLst>
+                                </p:cTn>
+                              </p:par>
+                            </p:childTnLst>
+                          </p:cTn>
+                        </p:par>
+                        <p:par>
+                          <p:cTn id="32" fill="hold">
+                            <p:stCondLst>
+                              <p:cond delay="500"/>
+                            </p:stCondLst>
+                            <p:childTnLst>
+                              <p:par>
+                                <p:cTn id="33" presetID="2" presetClass="entr" presetSubtype="2" fill="hold" nodeType="afterEffect">
+                                  <p:stCondLst>
+                                    <p:cond delay="0"/>
+                                  </p:stCondLst>
+                                  <p:childTnLst>
+                                    <p:set>
+                                      <p:cBhvr>
+                                        <p:cTn id="34" dur="1" fill="hold">
+                                          <p:stCondLst>
+                                            <p:cond delay="0"/>
+                                          </p:stCondLst>
+                                        </p:cTn>
+                                        <p:tgtEl>
+                                          <p:spTgt spid="3">
+                                            <p:txEl>
+                                              <p:pRg st="4" end="4"/>
+                                            </p:txEl>
+                                          </p:spTgt>
+                                        </p:tgtEl>
+                                        <p:attrNameLst>
+                                          <p:attrName>style.visibility</p:attrName>
+                                        </p:attrNameLst>
+                                      </p:cBhvr>
+                                      <p:to>
+                                        <p:strVal val="visible"/>
+                                      </p:to>
+                                    </p:set>
+                                    <p:anim calcmode="lin" valueType="num">
+                                      <p:cBhvr additive="base">
+                                        <p:cTn id="35" dur="500" fill="hold"/>
+                                        <p:tgtEl>
+                                          <p:spTgt spid="3">
+                                            <p:txEl>
+                                              <p:pRg st="4" end="4"/>
+                                            </p:txEl>
+                                          </p:spTgt>
+                                        </p:tgtEl>
+                                        <p:attrNameLst>
+                                          <p:attrName>ppt_x</p:attrName>
+                                        </p:attrNameLst>
+                                      </p:cBhvr>
+                                      <p:tavLst>
+                                        <p:tav tm="0">
+                                          <p:val>
+                                            <p:strVal val="1+#ppt_w/2"/>
+                                          </p:val>
+                                        </p:tav>
+                                        <p:tav tm="100000">
+                                          <p:val>
+                                            <p:strVal val="#ppt_x"/>
+                                          </p:val>
+                                        </p:tav>
+                                      </p:tavLst>
+                                    </p:anim>
+                                    <p:anim calcmode="lin" valueType="num">
+                                      <p:cBhvr additive="base">
+                                        <p:cTn id="36" dur="500" fill="hold"/>
+                                        <p:tgtEl>
+                                          <p:spTgt spid="3">
+                                            <p:txEl>
+                                              <p:pRg st="4" end="4"/>
+                                            </p:txEl>
+                                          </p:spTgt>
+                                        </p:tgtEl>
+                                        <p:attrNameLst>
+                                          <p:attrName>ppt_y</p:attrName>
+                                        </p:attrNameLst>
+                                      </p:cBhvr>
+                                      <p:tavLst>
+                                        <p:tav tm="0">
+                                          <p:val>
+                                            <p:strVal val="#ppt_y"/>
+                                          </p:val>
+                                        </p:tav>
+                                        <p:tav tm="100000">
+                                          <p:val>
+                                            <p:strVal val="#ppt_y"/>
+                                          </p:val>
+                                        </p:tav>
+                                      </p:tavLst>
+                                    </p:anim>
+                                  </p:childTnLst>
+                                </p:cTn>
+                              </p:par>
+                            </p:childTnLst>
+                          </p:cTn>
+                        </p:par>
+                      </p:childTnLst>
+                    </p:cTn>
+                  </p:par>
+                  <p:par>
+                    <p:cTn id="37" fill="hold">
+                      <p:stCondLst>
+                        <p:cond delay="indefinite"/>
+                      </p:stCondLst>
+                      <p:childTnLst>
+                        <p:par>
+                          <p:cTn id="38" fill="hold">
+                            <p:stCondLst>
+                              <p:cond delay="0"/>
+                            </p:stCondLst>
+                            <p:childTnLst>
+                              <p:par>
+                                <p:cTn id="39" presetID="2" presetClass="entr" presetSubtype="2" fill="hold" nodeType="clickEffect">
+                                  <p:stCondLst>
+                                    <p:cond delay="0"/>
+                                  </p:stCondLst>
+                                  <p:childTnLst>
+                                    <p:set>
+                                      <p:cBhvr>
+                                        <p:cTn id="40" dur="1" fill="hold">
+                                          <p:stCondLst>
+                                            <p:cond delay="0"/>
+                                          </p:stCondLst>
+                                        </p:cTn>
+                                        <p:tgtEl>
+                                          <p:spTgt spid="3">
+                                            <p:txEl>
+                                              <p:pRg st="5" end="5"/>
+                                            </p:txEl>
+                                          </p:spTgt>
+                                        </p:tgtEl>
+                                        <p:attrNameLst>
+                                          <p:attrName>style.visibility</p:attrName>
+                                        </p:attrNameLst>
+                                      </p:cBhvr>
+                                      <p:to>
+                                        <p:strVal val="visible"/>
+                                      </p:to>
+                                    </p:set>
+                                    <p:anim calcmode="lin" valueType="num">
+                                      <p:cBhvr additive="base">
+                                        <p:cTn id="41" dur="500" fill="hold"/>
+                                        <p:tgtEl>
+                                          <p:spTgt spid="3">
+                                            <p:txEl>
+                                              <p:pRg st="5" end="5"/>
+                                            </p:txEl>
+                                          </p:spTgt>
+                                        </p:tgtEl>
+                                        <p:attrNameLst>
+                                          <p:attrName>ppt_x</p:attrName>
+                                        </p:attrNameLst>
+                                      </p:cBhvr>
+                                      <p:tavLst>
+                                        <p:tav tm="0">
+                                          <p:val>
+                                            <p:strVal val="1+#ppt_w/2"/>
+                                          </p:val>
+                                        </p:tav>
+                                        <p:tav tm="100000">
+                                          <p:val>
+                                            <p:strVal val="#ppt_x"/>
+                                          </p:val>
+                                        </p:tav>
+                                      </p:tavLst>
+                                    </p:anim>
+                                    <p:anim calcmode="lin" valueType="num">
+                                      <p:cBhvr additive="base">
+                                        <p:cTn id="42" dur="500" fill="hold"/>
+                                        <p:tgtEl>
+                                          <p:spTgt spid="3">
+                                            <p:txEl>
+                                              <p:pRg st="5" end="5"/>
+                                            </p:txEl>
+                                          </p:spTgt>
+                                        </p:tgtEl>
+                                        <p:attrNameLst>
+                                          <p:attrName>ppt_y</p:attrName>
+                                        </p:attrNameLst>
+                                      </p:cBhvr>
+                                      <p:tavLst>
+                                        <p:tav tm="0">
+                                          <p:val>
+                                            <p:strVal val="#ppt_y"/>
+                                          </p:val>
+                                        </p:tav>
+                                        <p:tav tm="100000">
+                                          <p:val>
+                                            <p:strVal val="#ppt_y"/>
+                                          </p:val>
+                                        </p:tav>
+                                      </p:tavLst>
+                                    </p:anim>
+                                  </p:childTnLst>
+                                </p:cTn>
+                              </p:par>
+                            </p:childTnLst>
+                          </p:cTn>
+                        </p:par>
+                      </p:childTnLst>
+                    </p:cTn>
+                  </p:par>
+                </p:childTnLst>
+              </p:cTn>
+              <p:prevCondLst>
+                <p:cond evt="onPrev" delay="0">
+                  <p:tgtEl>
+                    <p:sldTgt/>
+                  </p:tgtEl>
+                </p:cond>
+              </p:prevCondLst>
+              <p:nextCondLst>
+                <p:cond evt="onNext" delay="0">
+                  <p:tgtEl>
+                    <p:sldTgt/>
+                  </p:tgtEl>
+                </p:cond>
+              </p:nextCondLst>
+            </p:seq>
+          </p:childTnLst>
+        </p:cTn>
       </p:par>
     </p:tnLst>
+    <p:bldLst>
+      <p:bldP spid="6" grpId="0" animBg="1"/>
+      <p:bldP spid="6" grpId="1" animBg="1"/>
+    </p:bldLst>
   </p:timing>
 </p:sld>
 </file>
